--- a/Hadoop分析-自用.pptx
+++ b/Hadoop分析-自用.pptx
@@ -5,11 +5,13 @@
     <p:sldMasterId id="2147483648" r:id="rId1"/>
   </p:sldMasterIdLst>
   <p:notesMasterIdLst>
-    <p:notesMasterId r:id="rId4"/>
+    <p:notesMasterId r:id="rId6"/>
   </p:notesMasterIdLst>
   <p:sldIdLst>
     <p:sldId id="256" r:id="rId2"/>
-    <p:sldId id="257" r:id="rId3"/>
+    <p:sldId id="258" r:id="rId3"/>
+    <p:sldId id="259" r:id="rId4"/>
+    <p:sldId id="257" r:id="rId5"/>
   </p:sldIdLst>
   <p:sldSz cx="9144000" cy="6858000" type="screen4x3"/>
   <p:notesSz cx="6858000" cy="9144000"/>
@@ -123,6 +125,9 @@
         </p15:guide>
       </p15:sldGuideLst>
     </p:ext>
+    <p:ext uri="{2D200454-40CA-4A62-9FC3-DE9A4176ACB9}">
+      <p15:notesGuideLst xmlns:p15="http://schemas.microsoft.com/office/powerpoint/2012/main"/>
+    </p:ext>
   </p:extLst>
 </p:presentation>
 </file>
@@ -209,7 +214,7 @@
           <a:p>
             <a:fld id="{1A53E47A-06E4-45EF-BD43-8A73516B1619}" type="datetimeFigureOut">
               <a:rPr lang="zh-CN" altLang="en-US" smtClean="0"/>
-              <a:t>2017-10-12</a:t>
+              <a:t>2017-10-25</a:t>
             </a:fld>
             <a:endParaRPr lang="zh-CN" altLang="en-US"/>
           </a:p>
@@ -605,7 +610,7 @@
           <a:bodyPr/>
           <a:lstStyle/>
           <a:p>
-            <a:endParaRPr lang="zh-CN" altLang="en-US" dirty="0"/>
+            <a:endParaRPr lang="zh-CN" altLang="en-US"/>
           </a:p>
         </p:txBody>
       </p:sp>
@@ -627,6 +632,174 @@
             <a:fld id="{FA5F1EA0-DCB2-4372-9D35-83B7B63C41B7}" type="slidenum">
               <a:rPr lang="zh-CN" altLang="en-US" smtClean="0"/>
               <a:t>2</a:t>
+            </a:fld>
+            <a:endParaRPr lang="zh-CN" altLang="en-US"/>
+          </a:p>
+        </p:txBody>
+      </p:sp>
+    </p:spTree>
+    <p:extLst>
+      <p:ext uri="{BB962C8B-B14F-4D97-AF65-F5344CB8AC3E}">
+        <p14:creationId xmlns:p14="http://schemas.microsoft.com/office/powerpoint/2010/main" val="1007470892"/>
+      </p:ext>
+    </p:extLst>
+  </p:cSld>
+  <p:clrMapOvr>
+    <a:masterClrMapping/>
+  </p:clrMapOvr>
+</p:notes>
+</file>
+
+<file path=ppt/notesSlides/notesSlide3.xml><?xml version="1.0" encoding="utf-8"?>
+<p:notes xmlns:a="http://schemas.openxmlformats.org/drawingml/2006/main" xmlns:r="http://schemas.openxmlformats.org/officeDocument/2006/relationships" xmlns:p="http://schemas.openxmlformats.org/presentationml/2006/main">
+  <p:cSld>
+    <p:spTree>
+      <p:nvGrpSpPr>
+        <p:cNvPr id="1" name=""/>
+        <p:cNvGrpSpPr/>
+        <p:nvPr/>
+      </p:nvGrpSpPr>
+      <p:grpSpPr>
+        <a:xfrm>
+          <a:off x="0" y="0"/>
+          <a:ext cx="0" cy="0"/>
+          <a:chOff x="0" y="0"/>
+          <a:chExt cx="0" cy="0"/>
+        </a:xfrm>
+      </p:grpSpPr>
+      <p:sp>
+        <p:nvSpPr>
+          <p:cNvPr id="2" name="幻灯片图像占位符 1"/>
+          <p:cNvSpPr>
+            <a:spLocks noGrp="1" noRot="1" noChangeAspect="1"/>
+          </p:cNvSpPr>
+          <p:nvPr>
+            <p:ph type="sldImg"/>
+          </p:nvPr>
+        </p:nvSpPr>
+        <p:spPr/>
+      </p:sp>
+      <p:sp>
+        <p:nvSpPr>
+          <p:cNvPr id="3" name="备注占位符 2"/>
+          <p:cNvSpPr>
+            <a:spLocks noGrp="1"/>
+          </p:cNvSpPr>
+          <p:nvPr>
+            <p:ph type="body" idx="1"/>
+          </p:nvPr>
+        </p:nvSpPr>
+        <p:spPr/>
+        <p:txBody>
+          <a:bodyPr/>
+          <a:lstStyle/>
+          <a:p>
+            <a:endParaRPr lang="zh-CN" altLang="en-US"/>
+          </a:p>
+        </p:txBody>
+      </p:sp>
+      <p:sp>
+        <p:nvSpPr>
+          <p:cNvPr id="4" name="灯片编号占位符 3"/>
+          <p:cNvSpPr>
+            <a:spLocks noGrp="1"/>
+          </p:cNvSpPr>
+          <p:nvPr>
+            <p:ph type="sldNum" sz="quarter" idx="10"/>
+          </p:nvPr>
+        </p:nvSpPr>
+        <p:spPr/>
+        <p:txBody>
+          <a:bodyPr/>
+          <a:lstStyle/>
+          <a:p>
+            <a:fld id="{FA5F1EA0-DCB2-4372-9D35-83B7B63C41B7}" type="slidenum">
+              <a:rPr lang="zh-CN" altLang="en-US" smtClean="0"/>
+              <a:t>3</a:t>
+            </a:fld>
+            <a:endParaRPr lang="zh-CN" altLang="en-US"/>
+          </a:p>
+        </p:txBody>
+      </p:sp>
+    </p:spTree>
+    <p:extLst>
+      <p:ext uri="{BB962C8B-B14F-4D97-AF65-F5344CB8AC3E}">
+        <p14:creationId xmlns:p14="http://schemas.microsoft.com/office/powerpoint/2010/main" val="3352466921"/>
+      </p:ext>
+    </p:extLst>
+  </p:cSld>
+  <p:clrMapOvr>
+    <a:masterClrMapping/>
+  </p:clrMapOvr>
+</p:notes>
+</file>
+
+<file path=ppt/notesSlides/notesSlide4.xml><?xml version="1.0" encoding="utf-8"?>
+<p:notes xmlns:a="http://schemas.openxmlformats.org/drawingml/2006/main" xmlns:r="http://schemas.openxmlformats.org/officeDocument/2006/relationships" xmlns:p="http://schemas.openxmlformats.org/presentationml/2006/main">
+  <p:cSld>
+    <p:spTree>
+      <p:nvGrpSpPr>
+        <p:cNvPr id="1" name=""/>
+        <p:cNvGrpSpPr/>
+        <p:nvPr/>
+      </p:nvGrpSpPr>
+      <p:grpSpPr>
+        <a:xfrm>
+          <a:off x="0" y="0"/>
+          <a:ext cx="0" cy="0"/>
+          <a:chOff x="0" y="0"/>
+          <a:chExt cx="0" cy="0"/>
+        </a:xfrm>
+      </p:grpSpPr>
+      <p:sp>
+        <p:nvSpPr>
+          <p:cNvPr id="2" name="幻灯片图像占位符 1"/>
+          <p:cNvSpPr>
+            <a:spLocks noGrp="1" noRot="1" noChangeAspect="1"/>
+          </p:cNvSpPr>
+          <p:nvPr>
+            <p:ph type="sldImg"/>
+          </p:nvPr>
+        </p:nvSpPr>
+        <p:spPr/>
+      </p:sp>
+      <p:sp>
+        <p:nvSpPr>
+          <p:cNvPr id="3" name="备注占位符 2"/>
+          <p:cNvSpPr>
+            <a:spLocks noGrp="1"/>
+          </p:cNvSpPr>
+          <p:nvPr>
+            <p:ph type="body" idx="1"/>
+          </p:nvPr>
+        </p:nvSpPr>
+        <p:spPr/>
+        <p:txBody>
+          <a:bodyPr/>
+          <a:lstStyle/>
+          <a:p>
+            <a:endParaRPr lang="zh-CN" altLang="en-US"/>
+          </a:p>
+        </p:txBody>
+      </p:sp>
+      <p:sp>
+        <p:nvSpPr>
+          <p:cNvPr id="4" name="灯片编号占位符 3"/>
+          <p:cNvSpPr>
+            <a:spLocks noGrp="1"/>
+          </p:cNvSpPr>
+          <p:nvPr>
+            <p:ph type="sldNum" sz="quarter" idx="10"/>
+          </p:nvPr>
+        </p:nvSpPr>
+        <p:spPr/>
+        <p:txBody>
+          <a:bodyPr/>
+          <a:lstStyle/>
+          <a:p>
+            <a:fld id="{FA5F1EA0-DCB2-4372-9D35-83B7B63C41B7}" type="slidenum">
+              <a:rPr lang="zh-CN" altLang="en-US" smtClean="0"/>
+              <a:t>4</a:t>
             </a:fld>
             <a:endParaRPr lang="zh-CN" altLang="en-US"/>
           </a:p>
@@ -826,7 +999,7 @@
           <a:p>
             <a:fld id="{B72458C5-0A22-44BF-B7D8-24167D6EADC7}" type="datetimeFigureOut">
               <a:rPr lang="zh-CN" altLang="en-US" smtClean="0"/>
-              <a:t>2017-10-12</a:t>
+              <a:t>2017-10-25</a:t>
             </a:fld>
             <a:endParaRPr lang="zh-CN" altLang="en-US"/>
           </a:p>
@@ -996,7 +1169,7 @@
           <a:p>
             <a:fld id="{B72458C5-0A22-44BF-B7D8-24167D6EADC7}" type="datetimeFigureOut">
               <a:rPr lang="zh-CN" altLang="en-US" smtClean="0"/>
-              <a:t>2017-10-12</a:t>
+              <a:t>2017-10-25</a:t>
             </a:fld>
             <a:endParaRPr lang="zh-CN" altLang="en-US"/>
           </a:p>
@@ -1176,7 +1349,7 @@
           <a:p>
             <a:fld id="{B72458C5-0A22-44BF-B7D8-24167D6EADC7}" type="datetimeFigureOut">
               <a:rPr lang="zh-CN" altLang="en-US" smtClean="0"/>
-              <a:t>2017-10-12</a:t>
+              <a:t>2017-10-25</a:t>
             </a:fld>
             <a:endParaRPr lang="zh-CN" altLang="en-US"/>
           </a:p>
@@ -1346,7 +1519,7 @@
           <a:p>
             <a:fld id="{B72458C5-0A22-44BF-B7D8-24167D6EADC7}" type="datetimeFigureOut">
               <a:rPr lang="zh-CN" altLang="en-US" smtClean="0"/>
-              <a:t>2017-10-12</a:t>
+              <a:t>2017-10-25</a:t>
             </a:fld>
             <a:endParaRPr lang="zh-CN" altLang="en-US"/>
           </a:p>
@@ -1592,7 +1765,7 @@
           <a:p>
             <a:fld id="{B72458C5-0A22-44BF-B7D8-24167D6EADC7}" type="datetimeFigureOut">
               <a:rPr lang="zh-CN" altLang="en-US" smtClean="0"/>
-              <a:t>2017-10-12</a:t>
+              <a:t>2017-10-25</a:t>
             </a:fld>
             <a:endParaRPr lang="zh-CN" altLang="en-US"/>
           </a:p>
@@ -1880,7 +2053,7 @@
           <a:p>
             <a:fld id="{B72458C5-0A22-44BF-B7D8-24167D6EADC7}" type="datetimeFigureOut">
               <a:rPr lang="zh-CN" altLang="en-US" smtClean="0"/>
-              <a:t>2017-10-12</a:t>
+              <a:t>2017-10-25</a:t>
             </a:fld>
             <a:endParaRPr lang="zh-CN" altLang="en-US"/>
           </a:p>
@@ -2302,7 +2475,7 @@
           <a:p>
             <a:fld id="{B72458C5-0A22-44BF-B7D8-24167D6EADC7}" type="datetimeFigureOut">
               <a:rPr lang="zh-CN" altLang="en-US" smtClean="0"/>
-              <a:t>2017-10-12</a:t>
+              <a:t>2017-10-25</a:t>
             </a:fld>
             <a:endParaRPr lang="zh-CN" altLang="en-US"/>
           </a:p>
@@ -2420,7 +2593,7 @@
           <a:p>
             <a:fld id="{B72458C5-0A22-44BF-B7D8-24167D6EADC7}" type="datetimeFigureOut">
               <a:rPr lang="zh-CN" altLang="en-US" smtClean="0"/>
-              <a:t>2017-10-12</a:t>
+              <a:t>2017-10-25</a:t>
             </a:fld>
             <a:endParaRPr lang="zh-CN" altLang="en-US"/>
           </a:p>
@@ -2515,7 +2688,7 @@
           <a:p>
             <a:fld id="{B72458C5-0A22-44BF-B7D8-24167D6EADC7}" type="datetimeFigureOut">
               <a:rPr lang="zh-CN" altLang="en-US" smtClean="0"/>
-              <a:t>2017-10-12</a:t>
+              <a:t>2017-10-25</a:t>
             </a:fld>
             <a:endParaRPr lang="zh-CN" altLang="en-US"/>
           </a:p>
@@ -2792,7 +2965,7 @@
           <a:p>
             <a:fld id="{B72458C5-0A22-44BF-B7D8-24167D6EADC7}" type="datetimeFigureOut">
               <a:rPr lang="zh-CN" altLang="en-US" smtClean="0"/>
-              <a:t>2017-10-12</a:t>
+              <a:t>2017-10-25</a:t>
             </a:fld>
             <a:endParaRPr lang="zh-CN" altLang="en-US"/>
           </a:p>
@@ -3045,7 +3218,7 @@
           <a:p>
             <a:fld id="{B72458C5-0A22-44BF-B7D8-24167D6EADC7}" type="datetimeFigureOut">
               <a:rPr lang="zh-CN" altLang="en-US" smtClean="0"/>
-              <a:t>2017-10-12</a:t>
+              <a:t>2017-10-25</a:t>
             </a:fld>
             <a:endParaRPr lang="zh-CN" altLang="en-US"/>
           </a:p>
@@ -3258,7 +3431,7 @@
           <a:p>
             <a:fld id="{B72458C5-0A22-44BF-B7D8-24167D6EADC7}" type="datetimeFigureOut">
               <a:rPr lang="zh-CN" altLang="en-US" smtClean="0"/>
-              <a:t>2017-10-12</a:t>
+              <a:t>2017-10-25</a:t>
             </a:fld>
             <a:endParaRPr lang="zh-CN" altLang="en-US"/>
           </a:p>
@@ -3734,14 +3907,14 @@
               <a:p>
                 <a:pPr algn="ctr"/>
                 <a:r>
-                  <a:rPr lang="en-US" altLang="zh-CN" sz="1200" dirty="0" err="1"/>
+                  <a:rPr lang="en-US" altLang="zh-CN" sz="1200" err="1"/>
                   <a:t>NodeManager</a:t>
                 </a:r>
                 <a:r>
-                  <a:rPr lang="en-US" altLang="zh-CN" sz="1200" dirty="0"/>
+                  <a:rPr lang="en-US" altLang="zh-CN" sz="1200"/>
                   <a:t> </a:t>
                 </a:r>
-                <a:endParaRPr lang="zh-CN" altLang="en-US" sz="1200" dirty="0"/>
+                <a:endParaRPr lang="zh-CN" altLang="en-US" sz="1200"/>
               </a:p>
             </p:txBody>
           </p:sp>
@@ -3780,18 +3953,18 @@
               <a:p>
                 <a:pPr algn="ctr"/>
                 <a:r>
-                  <a:rPr lang="en-US" altLang="zh-CN" sz="1200" dirty="0"/>
+                  <a:rPr lang="en-US" altLang="zh-CN" sz="1200"/>
                   <a:t>default</a:t>
                 </a:r>
                 <a:r>
-                  <a:rPr lang="en-US" altLang="zh-CN" sz="1200" i="1" dirty="0"/>
+                  <a:rPr lang="en-US" altLang="zh-CN" sz="1200" i="1"/>
                   <a:t>_container_</a:t>
                 </a:r>
                 <a:r>
-                  <a:rPr lang="en-US" altLang="zh-CN" sz="1200" dirty="0"/>
+                  <a:rPr lang="en-US" altLang="zh-CN" sz="1200"/>
                   <a:t>executor.sh</a:t>
                 </a:r>
-                <a:endParaRPr lang="zh-CN" altLang="en-US" sz="1200" dirty="0"/>
+                <a:endParaRPr lang="zh-CN" altLang="en-US" sz="1200"/>
               </a:p>
             </p:txBody>
           </p:sp>
@@ -3830,22 +4003,22 @@
               <a:p>
                 <a:pPr algn="ctr"/>
                 <a:r>
-                  <a:rPr lang="en-US" altLang="zh-CN" sz="1200" dirty="0"/>
+                  <a:rPr lang="en-US" altLang="zh-CN" sz="1200"/>
                   <a:t>default</a:t>
                 </a:r>
                 <a:r>
-                  <a:rPr lang="en-US" altLang="zh-CN" sz="1200" i="1" dirty="0"/>
+                  <a:rPr lang="en-US" altLang="zh-CN" sz="1200" i="1"/>
                   <a:t>_container_</a:t>
                 </a:r>
                 <a:r>
-                  <a:rPr lang="en-US" altLang="zh-CN" sz="1200" dirty="0"/>
+                  <a:rPr lang="en-US" altLang="zh-CN" sz="1200"/>
                   <a:t>executor</a:t>
                 </a:r>
                 <a:r>
-                  <a:rPr lang="en-US" altLang="zh-CN" sz="1200" i="1" dirty="0"/>
+                  <a:rPr lang="en-US" altLang="zh-CN" sz="1200" i="1"/>
                   <a:t>_session.sh</a:t>
                 </a:r>
-                <a:endParaRPr lang="zh-CN" altLang="en-US" sz="1200" dirty="0"/>
+                <a:endParaRPr lang="zh-CN" altLang="en-US" sz="1200"/>
               </a:p>
             </p:txBody>
           </p:sp>
@@ -3884,14 +4057,14 @@
               <a:p>
                 <a:pPr algn="ctr"/>
                 <a:r>
-                  <a:rPr lang="en-US" altLang="zh-CN" sz="1200" i="1" dirty="0"/>
+                  <a:rPr lang="en-US" altLang="zh-CN" sz="1200" i="1"/>
                   <a:t>launch_</a:t>
                 </a:r>
                 <a:r>
-                  <a:rPr lang="en-US" altLang="zh-CN" sz="1200" dirty="0"/>
+                  <a:rPr lang="en-US" altLang="zh-CN" sz="1200"/>
                   <a:t>container.sh</a:t>
                 </a:r>
-                <a:endParaRPr lang="zh-CN" altLang="en-US" sz="1200" dirty="0"/>
+                <a:endParaRPr lang="zh-CN" altLang="en-US" sz="1200"/>
               </a:p>
             </p:txBody>
           </p:sp>
@@ -4106,14 +4279,14 @@
               <a:p>
                 <a:pPr algn="ctr"/>
                 <a:r>
-                  <a:rPr lang="en-US" altLang="zh-CN" sz="1200" dirty="0" err="1" smtClean="0"/>
+                  <a:rPr lang="en-US" altLang="zh-CN" sz="1200" err="1" smtClean="0"/>
                   <a:t>YarnChild</a:t>
                 </a:r>
                 <a:r>
-                  <a:rPr lang="en-US" altLang="zh-CN" sz="1200" dirty="0" smtClean="0"/>
+                  <a:rPr lang="en-US" altLang="zh-CN" sz="1200" smtClean="0"/>
                   <a:t> </a:t>
                 </a:r>
-                <a:endParaRPr lang="zh-CN" altLang="en-US" sz="1200" dirty="0"/>
+                <a:endParaRPr lang="zh-CN" altLang="en-US" sz="1200"/>
               </a:p>
             </p:txBody>
           </p:sp>
@@ -4152,10 +4325,10 @@
               <a:p>
                 <a:pPr algn="ctr"/>
                 <a:r>
-                  <a:rPr lang="en-US" altLang="zh-CN" sz="1200" dirty="0" err="1" smtClean="0"/>
+                  <a:rPr lang="en-US" altLang="zh-CN" sz="1200" err="1" smtClean="0"/>
                   <a:t>MapTask.runOldMapper</a:t>
                 </a:r>
-                <a:endParaRPr lang="zh-CN" altLang="en-US" sz="1200" dirty="0"/>
+                <a:endParaRPr lang="zh-CN" altLang="en-US" sz="1200"/>
               </a:p>
             </p:txBody>
           </p:sp>
@@ -4194,10 +4367,10 @@
               <a:p>
                 <a:pPr algn="ctr"/>
                 <a:r>
-                  <a:rPr lang="en-US" altLang="zh-CN" sz="1200" dirty="0" err="1" smtClean="0"/>
+                  <a:rPr lang="en-US" altLang="zh-CN" sz="1200" err="1" smtClean="0"/>
                   <a:t>MapRunner</a:t>
                 </a:r>
-                <a:endParaRPr lang="zh-CN" altLang="en-US" sz="1200" dirty="0"/>
+                <a:endParaRPr lang="zh-CN" altLang="en-US" sz="1200"/>
               </a:p>
             </p:txBody>
           </p:sp>
@@ -4236,26 +4409,26 @@
               <a:p>
                 <a:pPr algn="ctr"/>
                 <a:r>
-                  <a:rPr lang="en-US" altLang="zh-CN" sz="1200" i="1" dirty="0" smtClean="0"/>
+                  <a:rPr lang="en-US" altLang="zh-CN" sz="1200" i="1" smtClean="0"/>
                   <a:t>(</a:t>
                 </a:r>
                 <a:r>
-                  <a:rPr lang="en-US" altLang="zh-CN" sz="1200" i="1" dirty="0" err="1" smtClean="0"/>
+                  <a:rPr lang="en-US" altLang="zh-CN" sz="1200" i="1" err="1" smtClean="0"/>
                   <a:t>ExecMapper</a:t>
                 </a:r>
                 <a:r>
-                  <a:rPr lang="en-US" altLang="zh-CN" sz="1200" i="1" dirty="0" smtClean="0"/>
+                  <a:rPr lang="en-US" altLang="zh-CN" sz="1200" i="1" smtClean="0"/>
                   <a:t>)</a:t>
                 </a:r>
                 <a:r>
-                  <a:rPr lang="en-US" altLang="zh-CN" sz="1200" i="1" dirty="0" err="1" smtClean="0"/>
+                  <a:rPr lang="en-US" altLang="zh-CN" sz="1200" i="1" err="1" smtClean="0"/>
                   <a:t>mapper.map</a:t>
                 </a:r>
                 <a:r>
-                  <a:rPr lang="en-US" altLang="zh-CN" sz="1200" i="1" dirty="0" smtClean="0"/>
+                  <a:rPr lang="en-US" altLang="zh-CN" sz="1200" i="1" smtClean="0"/>
                   <a:t>()</a:t>
                 </a:r>
-                <a:endParaRPr lang="zh-CN" altLang="en-US" sz="1200" dirty="0"/>
+                <a:endParaRPr lang="zh-CN" altLang="en-US" sz="1200"/>
               </a:p>
             </p:txBody>
           </p:sp>
@@ -4470,14 +4643,14 @@
               <a:p>
                 <a:pPr algn="ctr"/>
                 <a:r>
-                  <a:rPr lang="en-US" altLang="zh-CN" sz="1200" dirty="0" err="1" smtClean="0"/>
+                  <a:rPr lang="en-US" altLang="zh-CN" sz="1200" err="1" smtClean="0"/>
                   <a:t>YarnChild</a:t>
                 </a:r>
                 <a:r>
-                  <a:rPr lang="en-US" altLang="zh-CN" sz="1200" dirty="0" smtClean="0"/>
+                  <a:rPr lang="en-US" altLang="zh-CN" sz="1200" smtClean="0"/>
                   <a:t> </a:t>
                 </a:r>
-                <a:endParaRPr lang="zh-CN" altLang="en-US" sz="1200" dirty="0"/>
+                <a:endParaRPr lang="zh-CN" altLang="en-US" sz="1200"/>
               </a:p>
             </p:txBody>
           </p:sp>
@@ -4516,10 +4689,10 @@
               <a:p>
                 <a:pPr algn="ctr"/>
                 <a:r>
-                  <a:rPr lang="en-US" altLang="zh-CN" sz="1200" dirty="0" err="1" smtClean="0"/>
+                  <a:rPr lang="en-US" altLang="zh-CN" sz="1200" err="1" smtClean="0"/>
                   <a:t>ReduceTask.runOldReducer</a:t>
                 </a:r>
-                <a:endParaRPr lang="zh-CN" altLang="en-US" sz="1200" dirty="0"/>
+                <a:endParaRPr lang="zh-CN" altLang="en-US" sz="1200"/>
               </a:p>
             </p:txBody>
           </p:sp>
@@ -4558,10 +4731,10 @@
               <a:p>
                 <a:pPr algn="ctr"/>
                 <a:r>
-                  <a:rPr lang="en-US" altLang="zh-CN" sz="1200" dirty="0" err="1" smtClean="0"/>
+                  <a:rPr lang="en-US" altLang="zh-CN" sz="1200" err="1" smtClean="0"/>
                   <a:t>ExecReducer</a:t>
                 </a:r>
-                <a:endParaRPr lang="zh-CN" altLang="en-US" sz="1200" dirty="0"/>
+                <a:endParaRPr lang="zh-CN" altLang="en-US" sz="1200"/>
               </a:p>
             </p:txBody>
           </p:sp>
@@ -4733,14 +4906,14 @@
           <a:lstStyle/>
           <a:p>
             <a:r>
-              <a:rPr lang="en-US" altLang="zh-CN" sz="1200" b="1" i="1" dirty="0">
+              <a:rPr lang="en-US" altLang="zh-CN" sz="1200" b="1" i="1">
                 <a:solidFill>
                   <a:schemeClr val="dk1"/>
                 </a:solidFill>
               </a:rPr>
               <a:t>job.xml,job.jar,map.xml,reduce.xml</a:t>
             </a:r>
-            <a:endParaRPr lang="zh-CN" altLang="en-US" sz="1200" b="1" i="1" dirty="0">
+            <a:endParaRPr lang="zh-CN" altLang="en-US" sz="1200" b="1" i="1">
               <a:solidFill>
                 <a:schemeClr val="dk1"/>
               </a:solidFill>
@@ -4849,10 +5022,10 @@
               <a:p>
                 <a:pPr algn="ctr"/>
                 <a:r>
-                  <a:rPr lang="en-US" altLang="zh-CN" sz="1200" dirty="0" err="1" smtClean="0"/>
+                  <a:rPr lang="en-US" altLang="zh-CN" sz="1200" err="1" smtClean="0"/>
                   <a:t>JobClient</a:t>
                 </a:r>
-                <a:endParaRPr lang="zh-CN" altLang="en-US" sz="1200" dirty="0"/>
+                <a:endParaRPr lang="zh-CN" altLang="en-US" sz="1200"/>
               </a:p>
             </p:txBody>
           </p:sp>
@@ -4891,14 +5064,14 @@
               <a:p>
                 <a:pPr algn="ctr"/>
                 <a:r>
-                  <a:rPr lang="en-US" altLang="zh-CN" sz="1200" dirty="0" err="1" smtClean="0"/>
+                  <a:rPr lang="en-US" altLang="zh-CN" sz="1200" err="1" smtClean="0"/>
                   <a:t>Job.submit</a:t>
                 </a:r>
                 <a:r>
-                  <a:rPr lang="en-US" altLang="zh-CN" sz="1200" dirty="0" smtClean="0"/>
+                  <a:rPr lang="en-US" altLang="zh-CN" sz="1200" smtClean="0"/>
                   <a:t>()</a:t>
                 </a:r>
-                <a:endParaRPr lang="zh-CN" altLang="en-US" sz="1200" dirty="0"/>
+                <a:endParaRPr lang="zh-CN" altLang="en-US" sz="1200"/>
               </a:p>
             </p:txBody>
           </p:sp>
@@ -4937,10 +5110,10 @@
               <a:p>
                 <a:pPr algn="ctr"/>
                 <a:r>
-                  <a:rPr lang="en-US" altLang="zh-CN" sz="1200" dirty="0" err="1" smtClean="0"/>
+                  <a:rPr lang="en-US" altLang="zh-CN" sz="1200" err="1" smtClean="0"/>
                   <a:t>YARNRunner</a:t>
                 </a:r>
-                <a:endParaRPr lang="zh-CN" altLang="en-US" sz="1200" dirty="0"/>
+                <a:endParaRPr lang="zh-CN" altLang="en-US" sz="1200"/>
               </a:p>
             </p:txBody>
           </p:sp>
@@ -4979,14 +5152,14 @@
               <a:p>
                 <a:pPr algn="ctr"/>
                 <a:r>
-                  <a:rPr lang="en-US" altLang="zh-CN" sz="1200" i="1" dirty="0" err="1" smtClean="0"/>
+                  <a:rPr lang="en-US" altLang="zh-CN" sz="1200" i="1" err="1" smtClean="0"/>
                   <a:t>YarnClientImpl.submitApplcation</a:t>
                 </a:r>
                 <a:r>
-                  <a:rPr lang="en-US" altLang="zh-CN" sz="1200" i="1" dirty="0" smtClean="0"/>
+                  <a:rPr lang="en-US" altLang="zh-CN" sz="1200" i="1" smtClean="0"/>
                   <a:t>()</a:t>
                 </a:r>
-                <a:endParaRPr lang="zh-CN" altLang="en-US" sz="1200" dirty="0"/>
+                <a:endParaRPr lang="zh-CN" altLang="en-US" sz="1200"/>
               </a:p>
             </p:txBody>
           </p:sp>
@@ -5124,14 +5297,14 @@
               <a:p>
                 <a:pPr algn="ctr"/>
                 <a:r>
-                  <a:rPr lang="en-US" altLang="zh-CN" sz="1200" dirty="0" err="1" smtClean="0"/>
+                  <a:rPr lang="en-US" altLang="zh-CN" sz="1200" err="1" smtClean="0"/>
                   <a:t>ClientRMService</a:t>
                 </a:r>
                 <a:r>
-                  <a:rPr lang="en-US" altLang="zh-CN" sz="1200" dirty="0" smtClean="0"/>
+                  <a:rPr lang="en-US" altLang="zh-CN" sz="1200" smtClean="0"/>
                   <a:t> </a:t>
                 </a:r>
-                <a:endParaRPr lang="zh-CN" altLang="en-US" sz="1200" dirty="0"/>
+                <a:endParaRPr lang="zh-CN" altLang="en-US" sz="1200"/>
               </a:p>
             </p:txBody>
           </p:sp>
@@ -5203,10 +5376,10 @@
               <a:p>
                 <a:pPr algn="ctr"/>
                 <a:r>
-                  <a:rPr lang="en-US" altLang="zh-CN" sz="1200" i="1" dirty="0" err="1" smtClean="0"/>
+                  <a:rPr lang="en-US" altLang="zh-CN" sz="1200" i="1" err="1" smtClean="0"/>
                   <a:t>RMAppManager</a:t>
                 </a:r>
-                <a:endParaRPr lang="zh-CN" altLang="en-US" sz="1200" dirty="0"/>
+                <a:endParaRPr lang="zh-CN" altLang="en-US" sz="1200"/>
               </a:p>
             </p:txBody>
           </p:sp>
@@ -5304,10 +5477,10 @@
           <a:lstStyle/>
           <a:p>
             <a:r>
-              <a:rPr lang="zh-CN" altLang="en-US" dirty="0" smtClean="0"/>
+              <a:rPr lang="zh-CN" altLang="en-US" smtClean="0"/>
               <a:t>Hive执行流程</a:t>
             </a:r>
-            <a:endParaRPr lang="zh-CN" altLang="en-US" dirty="0"/>
+            <a:endParaRPr lang="zh-CN" altLang="en-US"/>
           </a:p>
         </p:txBody>
       </p:sp>
@@ -5350,6 +5523,2273 @@
       </p:grpSpPr>
       <p:sp>
         <p:nvSpPr>
+          <p:cNvPr id="17" name="标题 16"/>
+          <p:cNvSpPr>
+            <a:spLocks noGrp="1"/>
+          </p:cNvSpPr>
+          <p:nvPr>
+            <p:ph type="ctrTitle"/>
+          </p:nvPr>
+        </p:nvSpPr>
+        <p:spPr>
+          <a:xfrm>
+            <a:off x="2362944" y="183075"/>
+            <a:ext cx="4714292" cy="632298"/>
+          </a:xfrm>
+        </p:spPr>
+        <p:txBody>
+          <a:bodyPr>
+            <a:normAutofit/>
+          </a:bodyPr>
+          <a:lstStyle/>
+          <a:p>
+            <a:r>
+              <a:rPr lang="zh-CN" altLang="en-US" sz="2000"/>
+              <a:t>事件异步分发器</a:t>
+            </a:r>
+            <a:r>
+              <a:rPr lang="en-US" altLang="zh-CN" sz="2000" err="1"/>
+              <a:t>AsyncDispatcher</a:t>
+            </a:r>
+            <a:endParaRPr lang="zh-CN" altLang="en-US" sz="2000"/>
+          </a:p>
+        </p:txBody>
+      </p:sp>
+      <p:grpSp>
+        <p:nvGrpSpPr>
+          <p:cNvPr id="44" name="组合 43"/>
+          <p:cNvGrpSpPr/>
+          <p:nvPr/>
+        </p:nvGrpSpPr>
+        <p:grpSpPr>
+          <a:xfrm>
+            <a:off x="3851920" y="1459865"/>
+            <a:ext cx="1802929" cy="817007"/>
+            <a:chOff x="2555776" y="2972033"/>
+            <a:chExt cx="1802929" cy="817007"/>
+          </a:xfrm>
+        </p:grpSpPr>
+        <p:grpSp>
+          <p:nvGrpSpPr>
+            <p:cNvPr id="18" name="组合 17"/>
+            <p:cNvGrpSpPr/>
+            <p:nvPr/>
+          </p:nvGrpSpPr>
+          <p:grpSpPr>
+            <a:xfrm>
+              <a:off x="2555776" y="3356992"/>
+              <a:ext cx="1802929" cy="432048"/>
+              <a:chOff x="2373027" y="3717032"/>
+              <a:chExt cx="1802929" cy="432048"/>
+            </a:xfrm>
+          </p:grpSpPr>
+          <p:sp>
+            <p:nvSpPr>
+              <p:cNvPr id="10" name="圆角矩形 9"/>
+              <p:cNvSpPr/>
+              <p:nvPr/>
+            </p:nvSpPr>
+            <p:spPr>
+              <a:xfrm>
+                <a:off x="2373027" y="3717032"/>
+                <a:ext cx="1802929" cy="432048"/>
+              </a:xfrm>
+              <a:prstGeom prst="roundRect">
+                <a:avLst/>
+              </a:prstGeom>
+            </p:spPr>
+            <p:style>
+              <a:lnRef idx="2">
+                <a:schemeClr val="accent4"/>
+              </a:lnRef>
+              <a:fillRef idx="1">
+                <a:schemeClr val="lt1"/>
+              </a:fillRef>
+              <a:effectRef idx="0">
+                <a:schemeClr val="accent4"/>
+              </a:effectRef>
+              <a:fontRef idx="minor">
+                <a:schemeClr val="dk1"/>
+              </a:fontRef>
+            </p:style>
+            <p:txBody>
+              <a:bodyPr rtlCol="0" anchor="ctr"/>
+              <a:lstStyle/>
+              <a:p>
+                <a:pPr algn="ctr"/>
+                <a:endParaRPr lang="zh-CN" altLang="en-US"/>
+              </a:p>
+            </p:txBody>
+          </p:sp>
+          <p:cxnSp>
+            <p:nvCxnSpPr>
+              <p:cNvPr id="3" name="直接连接符 2"/>
+              <p:cNvCxnSpPr>
+                <a:stCxn id="10" idx="0"/>
+                <a:endCxn id="10" idx="2"/>
+              </p:cNvCxnSpPr>
+              <p:nvPr/>
+            </p:nvCxnSpPr>
+            <p:spPr>
+              <a:xfrm>
+                <a:off x="3274492" y="3717032"/>
+                <a:ext cx="0" cy="432048"/>
+              </a:xfrm>
+              <a:prstGeom prst="line">
+                <a:avLst/>
+              </a:prstGeom>
+            </p:spPr>
+            <p:style>
+              <a:lnRef idx="1">
+                <a:schemeClr val="accent1"/>
+              </a:lnRef>
+              <a:fillRef idx="0">
+                <a:schemeClr val="accent1"/>
+              </a:fillRef>
+              <a:effectRef idx="0">
+                <a:schemeClr val="accent1"/>
+              </a:effectRef>
+              <a:fontRef idx="minor">
+                <a:schemeClr val="tx1"/>
+              </a:fontRef>
+            </p:style>
+          </p:cxnSp>
+          <p:cxnSp>
+            <p:nvCxnSpPr>
+              <p:cNvPr id="9" name="直接连接符 8"/>
+              <p:cNvCxnSpPr/>
+              <p:nvPr/>
+            </p:nvCxnSpPr>
+            <p:spPr>
+              <a:xfrm>
+                <a:off x="2627784" y="3717032"/>
+                <a:ext cx="0" cy="432048"/>
+              </a:xfrm>
+              <a:prstGeom prst="line">
+                <a:avLst/>
+              </a:prstGeom>
+            </p:spPr>
+            <p:style>
+              <a:lnRef idx="1">
+                <a:schemeClr val="accent1"/>
+              </a:lnRef>
+              <a:fillRef idx="0">
+                <a:schemeClr val="accent1"/>
+              </a:fillRef>
+              <a:effectRef idx="0">
+                <a:schemeClr val="accent1"/>
+              </a:effectRef>
+              <a:fontRef idx="minor">
+                <a:schemeClr val="tx1"/>
+              </a:fontRef>
+            </p:style>
+          </p:cxnSp>
+          <p:cxnSp>
+            <p:nvCxnSpPr>
+              <p:cNvPr id="58" name="直接连接符 57"/>
+              <p:cNvCxnSpPr/>
+              <p:nvPr/>
+            </p:nvCxnSpPr>
+            <p:spPr>
+              <a:xfrm>
+                <a:off x="2843808" y="3717032"/>
+                <a:ext cx="0" cy="432048"/>
+              </a:xfrm>
+              <a:prstGeom prst="line">
+                <a:avLst/>
+              </a:prstGeom>
+            </p:spPr>
+            <p:style>
+              <a:lnRef idx="1">
+                <a:schemeClr val="accent1"/>
+              </a:lnRef>
+              <a:fillRef idx="0">
+                <a:schemeClr val="accent1"/>
+              </a:fillRef>
+              <a:effectRef idx="0">
+                <a:schemeClr val="accent1"/>
+              </a:effectRef>
+              <a:fontRef idx="minor">
+                <a:schemeClr val="tx1"/>
+              </a:fontRef>
+            </p:style>
+          </p:cxnSp>
+          <p:cxnSp>
+            <p:nvCxnSpPr>
+              <p:cNvPr id="59" name="直接连接符 58"/>
+              <p:cNvCxnSpPr/>
+              <p:nvPr/>
+            </p:nvCxnSpPr>
+            <p:spPr>
+              <a:xfrm>
+                <a:off x="3059832" y="3717032"/>
+                <a:ext cx="0" cy="432048"/>
+              </a:xfrm>
+              <a:prstGeom prst="line">
+                <a:avLst/>
+              </a:prstGeom>
+            </p:spPr>
+            <p:style>
+              <a:lnRef idx="1">
+                <a:schemeClr val="accent1"/>
+              </a:lnRef>
+              <a:fillRef idx="0">
+                <a:schemeClr val="accent1"/>
+              </a:fillRef>
+              <a:effectRef idx="0">
+                <a:schemeClr val="accent1"/>
+              </a:effectRef>
+              <a:fontRef idx="minor">
+                <a:schemeClr val="tx1"/>
+              </a:fontRef>
+            </p:style>
+          </p:cxnSp>
+          <p:cxnSp>
+            <p:nvCxnSpPr>
+              <p:cNvPr id="60" name="直接连接符 59"/>
+              <p:cNvCxnSpPr/>
+              <p:nvPr/>
+            </p:nvCxnSpPr>
+            <p:spPr>
+              <a:xfrm>
+                <a:off x="3491880" y="3717032"/>
+                <a:ext cx="0" cy="432048"/>
+              </a:xfrm>
+              <a:prstGeom prst="line">
+                <a:avLst/>
+              </a:prstGeom>
+            </p:spPr>
+            <p:style>
+              <a:lnRef idx="1">
+                <a:schemeClr val="accent1"/>
+              </a:lnRef>
+              <a:fillRef idx="0">
+                <a:schemeClr val="accent1"/>
+              </a:fillRef>
+              <a:effectRef idx="0">
+                <a:schemeClr val="accent1"/>
+              </a:effectRef>
+              <a:fontRef idx="minor">
+                <a:schemeClr val="tx1"/>
+              </a:fontRef>
+            </p:style>
+          </p:cxnSp>
+          <p:cxnSp>
+            <p:nvCxnSpPr>
+              <p:cNvPr id="61" name="直接连接符 60"/>
+              <p:cNvCxnSpPr/>
+              <p:nvPr/>
+            </p:nvCxnSpPr>
+            <p:spPr>
+              <a:xfrm>
+                <a:off x="3707904" y="3717032"/>
+                <a:ext cx="0" cy="432048"/>
+              </a:xfrm>
+              <a:prstGeom prst="line">
+                <a:avLst/>
+              </a:prstGeom>
+            </p:spPr>
+            <p:style>
+              <a:lnRef idx="1">
+                <a:schemeClr val="accent1"/>
+              </a:lnRef>
+              <a:fillRef idx="0">
+                <a:schemeClr val="accent1"/>
+              </a:fillRef>
+              <a:effectRef idx="0">
+                <a:schemeClr val="accent1"/>
+              </a:effectRef>
+              <a:fontRef idx="minor">
+                <a:schemeClr val="tx1"/>
+              </a:fontRef>
+            </p:style>
+          </p:cxnSp>
+          <p:cxnSp>
+            <p:nvCxnSpPr>
+              <p:cNvPr id="62" name="直接连接符 61"/>
+              <p:cNvCxnSpPr/>
+              <p:nvPr/>
+            </p:nvCxnSpPr>
+            <p:spPr>
+              <a:xfrm>
+                <a:off x="3923928" y="3717032"/>
+                <a:ext cx="0" cy="432048"/>
+              </a:xfrm>
+              <a:prstGeom prst="line">
+                <a:avLst/>
+              </a:prstGeom>
+            </p:spPr>
+            <p:style>
+              <a:lnRef idx="1">
+                <a:schemeClr val="accent1"/>
+              </a:lnRef>
+              <a:fillRef idx="0">
+                <a:schemeClr val="accent1"/>
+              </a:fillRef>
+              <a:effectRef idx="0">
+                <a:schemeClr val="accent1"/>
+              </a:effectRef>
+              <a:fontRef idx="minor">
+                <a:schemeClr val="tx1"/>
+              </a:fontRef>
+            </p:style>
+          </p:cxnSp>
+        </p:grpSp>
+        <p:sp>
+          <p:nvSpPr>
+            <p:cNvPr id="36" name="文本框 35"/>
+            <p:cNvSpPr txBox="1"/>
+            <p:nvPr/>
+          </p:nvSpPr>
+          <p:spPr>
+            <a:xfrm>
+              <a:off x="2792312" y="2972033"/>
+              <a:ext cx="1342932" cy="369332"/>
+            </a:xfrm>
+            <a:prstGeom prst="rect">
+              <a:avLst/>
+            </a:prstGeom>
+            <a:noFill/>
+          </p:spPr>
+          <p:txBody>
+            <a:bodyPr wrap="none" rtlCol="0">
+              <a:spAutoFit/>
+            </a:bodyPr>
+            <a:lstStyle/>
+            <a:p>
+              <a:r>
+                <a:rPr lang="en-US" altLang="zh-CN" err="1" smtClean="0">
+                  <a:solidFill>
+                    <a:schemeClr val="tx2"/>
+                  </a:solidFill>
+                </a:rPr>
+                <a:t>eventQueue</a:t>
+              </a:r>
+              <a:endParaRPr lang="zh-CN" altLang="en-US">
+                <a:solidFill>
+                  <a:schemeClr val="tx2"/>
+                </a:solidFill>
+              </a:endParaRPr>
+            </a:p>
+          </p:txBody>
+        </p:sp>
+      </p:grpSp>
+      <p:sp>
+        <p:nvSpPr>
+          <p:cNvPr id="39" name="矩形 38"/>
+          <p:cNvSpPr/>
+          <p:nvPr/>
+        </p:nvSpPr>
+        <p:spPr>
+          <a:xfrm>
+            <a:off x="6156176" y="1837010"/>
+            <a:ext cx="1944216" cy="447675"/>
+          </a:xfrm>
+          <a:prstGeom prst="rect">
+            <a:avLst/>
+          </a:prstGeom>
+        </p:spPr>
+        <p:style>
+          <a:lnRef idx="2">
+            <a:schemeClr val="accent1"/>
+          </a:lnRef>
+          <a:fillRef idx="1">
+            <a:schemeClr val="lt1"/>
+          </a:fillRef>
+          <a:effectRef idx="0">
+            <a:schemeClr val="accent1"/>
+          </a:effectRef>
+          <a:fontRef idx="minor">
+            <a:schemeClr val="dk1"/>
+          </a:fontRef>
+        </p:style>
+        <p:txBody>
+          <a:bodyPr rtlCol="0" anchor="ctr"/>
+          <a:lstStyle/>
+          <a:p>
+            <a:pPr algn="ctr"/>
+            <a:r>
+              <a:rPr lang="en-US" altLang="zh-CN" smtClean="0"/>
+              <a:t>Dispatch(event)</a:t>
+            </a:r>
+            <a:endParaRPr lang="zh-CN" altLang="en-US"/>
+          </a:p>
+        </p:txBody>
+      </p:sp>
+      <p:sp>
+        <p:nvSpPr>
+          <p:cNvPr id="79" name="矩形 78"/>
+          <p:cNvSpPr/>
+          <p:nvPr/>
+        </p:nvSpPr>
+        <p:spPr>
+          <a:xfrm>
+            <a:off x="287524" y="1041229"/>
+            <a:ext cx="2520280" cy="375166"/>
+          </a:xfrm>
+          <a:prstGeom prst="rect">
+            <a:avLst/>
+          </a:prstGeom>
+        </p:spPr>
+        <p:style>
+          <a:lnRef idx="2">
+            <a:schemeClr val="accent1">
+              <a:shade val="50000"/>
+            </a:schemeClr>
+          </a:lnRef>
+          <a:fillRef idx="1">
+            <a:schemeClr val="accent1"/>
+          </a:fillRef>
+          <a:effectRef idx="0">
+            <a:schemeClr val="accent1"/>
+          </a:effectRef>
+          <a:fontRef idx="minor">
+            <a:schemeClr val="lt1"/>
+          </a:fontRef>
+        </p:style>
+        <p:txBody>
+          <a:bodyPr rtlCol="0" anchor="ctr"/>
+          <a:lstStyle/>
+          <a:p>
+            <a:pPr algn="ctr"/>
+            <a:r>
+              <a:rPr lang="en-US" altLang="zh-CN" sz="1600" err="1"/>
+              <a:t>dispatcher.getEventHandler</a:t>
+            </a:r>
+            <a:r>
+              <a:rPr lang="en-US" altLang="zh-CN" sz="1600" smtClean="0"/>
+              <a:t>()</a:t>
+            </a:r>
+            <a:endParaRPr lang="zh-CN" altLang="en-US" sz="1600"/>
+          </a:p>
+        </p:txBody>
+      </p:sp>
+      <p:cxnSp>
+        <p:nvCxnSpPr>
+          <p:cNvPr id="80" name="直接箭头连接符 79"/>
+          <p:cNvCxnSpPr>
+            <a:stCxn id="79" idx="3"/>
+            <a:endCxn id="10" idx="1"/>
+          </p:cNvCxnSpPr>
+          <p:nvPr/>
+        </p:nvCxnSpPr>
+        <p:spPr>
+          <a:xfrm>
+            <a:off x="2807804" y="1228812"/>
+            <a:ext cx="1044116" cy="832036"/>
+          </a:xfrm>
+          <a:prstGeom prst="straightConnector1">
+            <a:avLst/>
+          </a:prstGeom>
+          <a:ln>
+            <a:tailEnd type="arrow"/>
+          </a:ln>
+        </p:spPr>
+        <p:style>
+          <a:lnRef idx="2">
+            <a:schemeClr val="accent4"/>
+          </a:lnRef>
+          <a:fillRef idx="1">
+            <a:schemeClr val="lt1"/>
+          </a:fillRef>
+          <a:effectRef idx="0">
+            <a:schemeClr val="accent4"/>
+          </a:effectRef>
+          <a:fontRef idx="minor">
+            <a:schemeClr val="dk1"/>
+          </a:fontRef>
+        </p:style>
+      </p:cxnSp>
+      <p:sp>
+        <p:nvSpPr>
+          <p:cNvPr id="81" name="矩形 80"/>
+          <p:cNvSpPr/>
+          <p:nvPr/>
+        </p:nvSpPr>
+        <p:spPr>
+          <a:xfrm>
+            <a:off x="287524" y="1669134"/>
+            <a:ext cx="2520280" cy="375166"/>
+          </a:xfrm>
+          <a:prstGeom prst="rect">
+            <a:avLst/>
+          </a:prstGeom>
+        </p:spPr>
+        <p:style>
+          <a:lnRef idx="2">
+            <a:schemeClr val="accent1">
+              <a:shade val="50000"/>
+            </a:schemeClr>
+          </a:lnRef>
+          <a:fillRef idx="1">
+            <a:schemeClr val="accent1"/>
+          </a:fillRef>
+          <a:effectRef idx="0">
+            <a:schemeClr val="accent1"/>
+          </a:effectRef>
+          <a:fontRef idx="minor">
+            <a:schemeClr val="lt1"/>
+          </a:fontRef>
+        </p:style>
+        <p:txBody>
+          <a:bodyPr rtlCol="0" anchor="ctr"/>
+          <a:lstStyle/>
+          <a:p>
+            <a:pPr algn="ctr"/>
+            <a:r>
+              <a:rPr lang="en-US" altLang="zh-CN" sz="1600" err="1"/>
+              <a:t>dispatcher.getEventHandler</a:t>
+            </a:r>
+            <a:r>
+              <a:rPr lang="en-US" altLang="zh-CN" sz="1600" smtClean="0"/>
+              <a:t>()</a:t>
+            </a:r>
+            <a:endParaRPr lang="zh-CN" altLang="en-US" sz="1600"/>
+          </a:p>
+        </p:txBody>
+      </p:sp>
+      <p:sp>
+        <p:nvSpPr>
+          <p:cNvPr id="82" name="矩形 81"/>
+          <p:cNvSpPr/>
+          <p:nvPr/>
+        </p:nvSpPr>
+        <p:spPr>
+          <a:xfrm>
+            <a:off x="287524" y="2297039"/>
+            <a:ext cx="2520280" cy="375166"/>
+          </a:xfrm>
+          <a:prstGeom prst="rect">
+            <a:avLst/>
+          </a:prstGeom>
+        </p:spPr>
+        <p:style>
+          <a:lnRef idx="2">
+            <a:schemeClr val="accent1">
+              <a:shade val="50000"/>
+            </a:schemeClr>
+          </a:lnRef>
+          <a:fillRef idx="1">
+            <a:schemeClr val="accent1"/>
+          </a:fillRef>
+          <a:effectRef idx="0">
+            <a:schemeClr val="accent1"/>
+          </a:effectRef>
+          <a:fontRef idx="minor">
+            <a:schemeClr val="lt1"/>
+          </a:fontRef>
+        </p:style>
+        <p:txBody>
+          <a:bodyPr rtlCol="0" anchor="ctr"/>
+          <a:lstStyle/>
+          <a:p>
+            <a:pPr algn="ctr"/>
+            <a:r>
+              <a:rPr lang="en-US" altLang="zh-CN" sz="1600" err="1"/>
+              <a:t>dispatcher.getEventHandler</a:t>
+            </a:r>
+            <a:r>
+              <a:rPr lang="en-US" altLang="zh-CN" sz="1600" smtClean="0"/>
+              <a:t>()</a:t>
+            </a:r>
+            <a:endParaRPr lang="zh-CN" altLang="en-US" sz="1600"/>
+          </a:p>
+        </p:txBody>
+      </p:sp>
+      <p:sp>
+        <p:nvSpPr>
+          <p:cNvPr id="83" name="矩形 82"/>
+          <p:cNvSpPr/>
+          <p:nvPr/>
+        </p:nvSpPr>
+        <p:spPr>
+          <a:xfrm>
+            <a:off x="287524" y="2924944"/>
+            <a:ext cx="2520280" cy="375166"/>
+          </a:xfrm>
+          <a:prstGeom prst="rect">
+            <a:avLst/>
+          </a:prstGeom>
+        </p:spPr>
+        <p:style>
+          <a:lnRef idx="2">
+            <a:schemeClr val="accent1">
+              <a:shade val="50000"/>
+            </a:schemeClr>
+          </a:lnRef>
+          <a:fillRef idx="1">
+            <a:schemeClr val="accent1"/>
+          </a:fillRef>
+          <a:effectRef idx="0">
+            <a:schemeClr val="accent1"/>
+          </a:effectRef>
+          <a:fontRef idx="minor">
+            <a:schemeClr val="lt1"/>
+          </a:fontRef>
+        </p:style>
+        <p:txBody>
+          <a:bodyPr rtlCol="0" anchor="ctr"/>
+          <a:lstStyle/>
+          <a:p>
+            <a:pPr algn="ctr"/>
+            <a:r>
+              <a:rPr lang="en-US" altLang="zh-CN" sz="1600" err="1"/>
+              <a:t>dispatcher.getEventHandler</a:t>
+            </a:r>
+            <a:r>
+              <a:rPr lang="en-US" altLang="zh-CN" sz="1600" smtClean="0"/>
+              <a:t>()</a:t>
+            </a:r>
+            <a:endParaRPr lang="zh-CN" altLang="en-US" sz="1600"/>
+          </a:p>
+        </p:txBody>
+      </p:sp>
+      <p:cxnSp>
+        <p:nvCxnSpPr>
+          <p:cNvPr id="84" name="直接箭头连接符 83"/>
+          <p:cNvCxnSpPr>
+            <a:stCxn id="81" idx="3"/>
+            <a:endCxn id="10" idx="1"/>
+          </p:cNvCxnSpPr>
+          <p:nvPr/>
+        </p:nvCxnSpPr>
+        <p:spPr>
+          <a:xfrm>
+            <a:off x="2807804" y="1856717"/>
+            <a:ext cx="1044116" cy="204131"/>
+          </a:xfrm>
+          <a:prstGeom prst="straightConnector1">
+            <a:avLst/>
+          </a:prstGeom>
+          <a:ln>
+            <a:tailEnd type="arrow"/>
+          </a:ln>
+        </p:spPr>
+        <p:style>
+          <a:lnRef idx="2">
+            <a:schemeClr val="accent4"/>
+          </a:lnRef>
+          <a:fillRef idx="1">
+            <a:schemeClr val="lt1"/>
+          </a:fillRef>
+          <a:effectRef idx="0">
+            <a:schemeClr val="accent4"/>
+          </a:effectRef>
+          <a:fontRef idx="minor">
+            <a:schemeClr val="dk1"/>
+          </a:fontRef>
+        </p:style>
+      </p:cxnSp>
+      <p:cxnSp>
+        <p:nvCxnSpPr>
+          <p:cNvPr id="85" name="直接箭头连接符 84"/>
+          <p:cNvCxnSpPr>
+            <a:stCxn id="82" idx="3"/>
+            <a:endCxn id="10" idx="1"/>
+          </p:cNvCxnSpPr>
+          <p:nvPr/>
+        </p:nvCxnSpPr>
+        <p:spPr>
+          <a:xfrm flipV="1">
+            <a:off x="2807804" y="2060848"/>
+            <a:ext cx="1044116" cy="423774"/>
+          </a:xfrm>
+          <a:prstGeom prst="straightConnector1">
+            <a:avLst/>
+          </a:prstGeom>
+          <a:ln>
+            <a:tailEnd type="arrow"/>
+          </a:ln>
+        </p:spPr>
+        <p:style>
+          <a:lnRef idx="2">
+            <a:schemeClr val="accent4"/>
+          </a:lnRef>
+          <a:fillRef idx="1">
+            <a:schemeClr val="lt1"/>
+          </a:fillRef>
+          <a:effectRef idx="0">
+            <a:schemeClr val="accent4"/>
+          </a:effectRef>
+          <a:fontRef idx="minor">
+            <a:schemeClr val="dk1"/>
+          </a:fontRef>
+        </p:style>
+      </p:cxnSp>
+      <p:cxnSp>
+        <p:nvCxnSpPr>
+          <p:cNvPr id="86" name="直接箭头连接符 85"/>
+          <p:cNvCxnSpPr>
+            <a:stCxn id="83" idx="3"/>
+            <a:endCxn id="10" idx="1"/>
+          </p:cNvCxnSpPr>
+          <p:nvPr/>
+        </p:nvCxnSpPr>
+        <p:spPr>
+          <a:xfrm flipV="1">
+            <a:off x="2807804" y="2060848"/>
+            <a:ext cx="1044116" cy="1051679"/>
+          </a:xfrm>
+          <a:prstGeom prst="straightConnector1">
+            <a:avLst/>
+          </a:prstGeom>
+          <a:ln>
+            <a:tailEnd type="arrow"/>
+          </a:ln>
+        </p:spPr>
+        <p:style>
+          <a:lnRef idx="2">
+            <a:schemeClr val="accent4"/>
+          </a:lnRef>
+          <a:fillRef idx="1">
+            <a:schemeClr val="lt1"/>
+          </a:fillRef>
+          <a:effectRef idx="0">
+            <a:schemeClr val="accent4"/>
+          </a:effectRef>
+          <a:fontRef idx="minor">
+            <a:schemeClr val="dk1"/>
+          </a:fontRef>
+        </p:style>
+      </p:cxnSp>
+      <p:cxnSp>
+        <p:nvCxnSpPr>
+          <p:cNvPr id="89" name="直接箭头连接符 88"/>
+          <p:cNvCxnSpPr>
+            <a:stCxn id="10" idx="3"/>
+            <a:endCxn id="39" idx="1"/>
+          </p:cNvCxnSpPr>
+          <p:nvPr/>
+        </p:nvCxnSpPr>
+        <p:spPr>
+          <a:xfrm>
+            <a:off x="5654849" y="2060848"/>
+            <a:ext cx="501327" cy="0"/>
+          </a:xfrm>
+          <a:prstGeom prst="straightConnector1">
+            <a:avLst/>
+          </a:prstGeom>
+          <a:ln>
+            <a:tailEnd type="arrow"/>
+          </a:ln>
+        </p:spPr>
+        <p:style>
+          <a:lnRef idx="2">
+            <a:schemeClr val="accent4"/>
+          </a:lnRef>
+          <a:fillRef idx="1">
+            <a:schemeClr val="lt1"/>
+          </a:fillRef>
+          <a:effectRef idx="0">
+            <a:schemeClr val="accent4"/>
+          </a:effectRef>
+          <a:fontRef idx="minor">
+            <a:schemeClr val="dk1"/>
+          </a:fontRef>
+        </p:style>
+      </p:cxnSp>
+      <p:sp>
+        <p:nvSpPr>
+          <p:cNvPr id="93" name="文本框 92"/>
+          <p:cNvSpPr txBox="1"/>
+          <p:nvPr/>
+        </p:nvSpPr>
+        <p:spPr>
+          <a:xfrm>
+            <a:off x="2807804" y="1332464"/>
+            <a:ext cx="1377237" cy="338554"/>
+          </a:xfrm>
+          <a:prstGeom prst="rect">
+            <a:avLst/>
+          </a:prstGeom>
+          <a:noFill/>
+        </p:spPr>
+        <p:txBody>
+          <a:bodyPr wrap="none" rtlCol="0">
+            <a:spAutoFit/>
+          </a:bodyPr>
+          <a:lstStyle/>
+          <a:p>
+            <a:r>
+              <a:rPr lang="en-US" altLang="zh-CN" sz="1600" b="1" smtClean="0">
+                <a:solidFill>
+                  <a:schemeClr val="tx2"/>
+                </a:solidFill>
+              </a:rPr>
+              <a:t>handle(event)</a:t>
+            </a:r>
+            <a:endParaRPr lang="zh-CN" altLang="en-US" sz="1600" b="1">
+              <a:solidFill>
+                <a:schemeClr val="tx2"/>
+              </a:solidFill>
+            </a:endParaRPr>
+          </a:p>
+        </p:txBody>
+      </p:sp>
+      <p:sp>
+        <p:nvSpPr>
+          <p:cNvPr id="97" name="矩形 96"/>
+          <p:cNvSpPr/>
+          <p:nvPr/>
+        </p:nvSpPr>
+        <p:spPr>
+          <a:xfrm>
+            <a:off x="5508104" y="2601209"/>
+            <a:ext cx="3311004" cy="611767"/>
+          </a:xfrm>
+          <a:prstGeom prst="rect">
+            <a:avLst/>
+          </a:prstGeom>
+        </p:spPr>
+        <p:style>
+          <a:lnRef idx="2">
+            <a:schemeClr val="accent1"/>
+          </a:lnRef>
+          <a:fillRef idx="1">
+            <a:schemeClr val="lt1"/>
+          </a:fillRef>
+          <a:effectRef idx="0">
+            <a:schemeClr val="accent1"/>
+          </a:effectRef>
+          <a:fontRef idx="minor">
+            <a:schemeClr val="dk1"/>
+          </a:fontRef>
+        </p:style>
+        <p:txBody>
+          <a:bodyPr rtlCol="0" anchor="ctr"/>
+          <a:lstStyle/>
+          <a:p>
+            <a:pPr algn="ctr"/>
+            <a:r>
+              <a:rPr lang="en-US" altLang="zh-CN" sz="1500" smtClean="0"/>
+              <a:t>dispatcher=</a:t>
+            </a:r>
+            <a:r>
+              <a:rPr lang="en-US" altLang="zh-CN" sz="1500" err="1" smtClean="0"/>
+              <a:t>eventDispatchers.get</a:t>
+            </a:r>
+            <a:r>
+              <a:rPr lang="en-US" altLang="zh-CN" sz="1500" smtClean="0"/>
+              <a:t>(type)</a:t>
+            </a:r>
+          </a:p>
+          <a:p>
+            <a:pPr algn="ctr"/>
+            <a:r>
+              <a:rPr lang="en-US" altLang="zh-CN" sz="1500" err="1"/>
+              <a:t>Handler.handle</a:t>
+            </a:r>
+            <a:r>
+              <a:rPr lang="en-US" altLang="zh-CN" sz="1500"/>
+              <a:t>(event</a:t>
+            </a:r>
+            <a:r>
+              <a:rPr lang="en-US" altLang="zh-CN" sz="1500" smtClean="0"/>
+              <a:t>)</a:t>
+            </a:r>
+            <a:endParaRPr lang="zh-CN" altLang="en-US" sz="1500"/>
+          </a:p>
+        </p:txBody>
+      </p:sp>
+      <p:cxnSp>
+        <p:nvCxnSpPr>
+          <p:cNvPr id="102" name="直接箭头连接符 101"/>
+          <p:cNvCxnSpPr>
+            <a:stCxn id="39" idx="2"/>
+            <a:endCxn id="97" idx="0"/>
+          </p:cNvCxnSpPr>
+          <p:nvPr/>
+        </p:nvCxnSpPr>
+        <p:spPr>
+          <a:xfrm>
+            <a:off x="7128284" y="2284685"/>
+            <a:ext cx="35322" cy="316524"/>
+          </a:xfrm>
+          <a:prstGeom prst="straightConnector1">
+            <a:avLst/>
+          </a:prstGeom>
+          <a:ln>
+            <a:tailEnd type="arrow"/>
+          </a:ln>
+        </p:spPr>
+        <p:style>
+          <a:lnRef idx="2">
+            <a:schemeClr val="accent4"/>
+          </a:lnRef>
+          <a:fillRef idx="1">
+            <a:schemeClr val="lt1"/>
+          </a:fillRef>
+          <a:effectRef idx="0">
+            <a:schemeClr val="accent4"/>
+          </a:effectRef>
+          <a:fontRef idx="minor">
+            <a:schemeClr val="dk1"/>
+          </a:fontRef>
+        </p:style>
+      </p:cxnSp>
+    </p:spTree>
+    <p:extLst>
+      <p:ext uri="{BB962C8B-B14F-4D97-AF65-F5344CB8AC3E}">
+        <p14:creationId xmlns:p14="http://schemas.microsoft.com/office/powerpoint/2010/main" val="3990743009"/>
+      </p:ext>
+    </p:extLst>
+  </p:cSld>
+  <p:clrMapOvr>
+    <a:masterClrMapping/>
+  </p:clrMapOvr>
+  <p:timing>
+    <p:tnLst>
+      <p:par>
+        <p:cTn id="1" dur="indefinite" restart="never" nodeType="tmRoot"/>
+      </p:par>
+    </p:tnLst>
+  </p:timing>
+</p:sld>
+</file>
+
+<file path=ppt/slides/slide3.xml><?xml version="1.0" encoding="utf-8"?>
+<p:sld xmlns:a="http://schemas.openxmlformats.org/drawingml/2006/main" xmlns:r="http://schemas.openxmlformats.org/officeDocument/2006/relationships" xmlns:p="http://schemas.openxmlformats.org/presentationml/2006/main">
+  <p:cSld>
+    <p:spTree>
+      <p:nvGrpSpPr>
+        <p:cNvPr id="1" name=""/>
+        <p:cNvGrpSpPr/>
+        <p:nvPr/>
+      </p:nvGrpSpPr>
+      <p:grpSpPr>
+        <a:xfrm>
+          <a:off x="0" y="0"/>
+          <a:ext cx="0" cy="0"/>
+          <a:chOff x="0" y="0"/>
+          <a:chExt cx="0" cy="0"/>
+        </a:xfrm>
+      </p:grpSpPr>
+      <p:sp>
+        <p:nvSpPr>
+          <p:cNvPr id="17" name="标题 16"/>
+          <p:cNvSpPr>
+            <a:spLocks noGrp="1"/>
+          </p:cNvSpPr>
+          <p:nvPr>
+            <p:ph type="ctrTitle"/>
+          </p:nvPr>
+        </p:nvSpPr>
+        <p:spPr>
+          <a:xfrm>
+            <a:off x="2362944" y="183075"/>
+            <a:ext cx="4714292" cy="632298"/>
+          </a:xfrm>
+        </p:spPr>
+        <p:txBody>
+          <a:bodyPr>
+            <a:normAutofit/>
+          </a:bodyPr>
+          <a:lstStyle/>
+          <a:p>
+            <a:r>
+              <a:rPr lang="en-US" altLang="zh-CN" sz="2000" err="1">
+                <a:solidFill>
+                  <a:schemeClr val="tx2"/>
+                </a:solidFill>
+              </a:rPr>
+              <a:t>NMClientAsync</a:t>
+            </a:r>
+            <a:endParaRPr lang="zh-CN" altLang="en-US" sz="2000"/>
+          </a:p>
+        </p:txBody>
+      </p:sp>
+      <p:grpSp>
+        <p:nvGrpSpPr>
+          <p:cNvPr id="31" name="组合 30"/>
+          <p:cNvGrpSpPr/>
+          <p:nvPr/>
+        </p:nvGrpSpPr>
+        <p:grpSpPr>
+          <a:xfrm>
+            <a:off x="3347295" y="1983347"/>
+            <a:ext cx="2280945" cy="818061"/>
+            <a:chOff x="2496088" y="2970979"/>
+            <a:chExt cx="1969313" cy="818061"/>
+          </a:xfrm>
+        </p:grpSpPr>
+        <p:grpSp>
+          <p:nvGrpSpPr>
+            <p:cNvPr id="32" name="组合 31"/>
+            <p:cNvGrpSpPr/>
+            <p:nvPr/>
+          </p:nvGrpSpPr>
+          <p:grpSpPr>
+            <a:xfrm>
+              <a:off x="2555776" y="3356992"/>
+              <a:ext cx="1802929" cy="432048"/>
+              <a:chOff x="2373027" y="3717032"/>
+              <a:chExt cx="1802929" cy="432048"/>
+            </a:xfrm>
+          </p:grpSpPr>
+          <p:sp>
+            <p:nvSpPr>
+              <p:cNvPr id="34" name="圆角矩形 33"/>
+              <p:cNvSpPr/>
+              <p:nvPr/>
+            </p:nvSpPr>
+            <p:spPr>
+              <a:xfrm>
+                <a:off x="2373027" y="3717032"/>
+                <a:ext cx="1802929" cy="432048"/>
+              </a:xfrm>
+              <a:prstGeom prst="roundRect">
+                <a:avLst/>
+              </a:prstGeom>
+            </p:spPr>
+            <p:style>
+              <a:lnRef idx="2">
+                <a:schemeClr val="accent4"/>
+              </a:lnRef>
+              <a:fillRef idx="1">
+                <a:schemeClr val="lt1"/>
+              </a:fillRef>
+              <a:effectRef idx="0">
+                <a:schemeClr val="accent4"/>
+              </a:effectRef>
+              <a:fontRef idx="minor">
+                <a:schemeClr val="dk1"/>
+              </a:fontRef>
+            </p:style>
+            <p:txBody>
+              <a:bodyPr rtlCol="0" anchor="ctr"/>
+              <a:lstStyle/>
+              <a:p>
+                <a:pPr algn="ctr"/>
+                <a:endParaRPr lang="zh-CN" altLang="en-US" sz="1400"/>
+              </a:p>
+            </p:txBody>
+          </p:sp>
+          <p:cxnSp>
+            <p:nvCxnSpPr>
+              <p:cNvPr id="35" name="直接连接符 34"/>
+              <p:cNvCxnSpPr>
+                <a:stCxn id="34" idx="0"/>
+                <a:endCxn id="34" idx="2"/>
+              </p:cNvCxnSpPr>
+              <p:nvPr/>
+            </p:nvCxnSpPr>
+            <p:spPr>
+              <a:xfrm>
+                <a:off x="3274492" y="3717032"/>
+                <a:ext cx="0" cy="432048"/>
+              </a:xfrm>
+              <a:prstGeom prst="line">
+                <a:avLst/>
+              </a:prstGeom>
+            </p:spPr>
+            <p:style>
+              <a:lnRef idx="1">
+                <a:schemeClr val="accent1"/>
+              </a:lnRef>
+              <a:fillRef idx="0">
+                <a:schemeClr val="accent1"/>
+              </a:fillRef>
+              <a:effectRef idx="0">
+                <a:schemeClr val="accent1"/>
+              </a:effectRef>
+              <a:fontRef idx="minor">
+                <a:schemeClr val="tx1"/>
+              </a:fontRef>
+            </p:style>
+          </p:cxnSp>
+          <p:cxnSp>
+            <p:nvCxnSpPr>
+              <p:cNvPr id="37" name="直接连接符 36"/>
+              <p:cNvCxnSpPr/>
+              <p:nvPr/>
+            </p:nvCxnSpPr>
+            <p:spPr>
+              <a:xfrm>
+                <a:off x="2627784" y="3717032"/>
+                <a:ext cx="0" cy="432048"/>
+              </a:xfrm>
+              <a:prstGeom prst="line">
+                <a:avLst/>
+              </a:prstGeom>
+            </p:spPr>
+            <p:style>
+              <a:lnRef idx="1">
+                <a:schemeClr val="accent1"/>
+              </a:lnRef>
+              <a:fillRef idx="0">
+                <a:schemeClr val="accent1"/>
+              </a:fillRef>
+              <a:effectRef idx="0">
+                <a:schemeClr val="accent1"/>
+              </a:effectRef>
+              <a:fontRef idx="minor">
+                <a:schemeClr val="tx1"/>
+              </a:fontRef>
+            </p:style>
+          </p:cxnSp>
+          <p:cxnSp>
+            <p:nvCxnSpPr>
+              <p:cNvPr id="38" name="直接连接符 37"/>
+              <p:cNvCxnSpPr/>
+              <p:nvPr/>
+            </p:nvCxnSpPr>
+            <p:spPr>
+              <a:xfrm>
+                <a:off x="2843808" y="3717032"/>
+                <a:ext cx="0" cy="432048"/>
+              </a:xfrm>
+              <a:prstGeom prst="line">
+                <a:avLst/>
+              </a:prstGeom>
+            </p:spPr>
+            <p:style>
+              <a:lnRef idx="1">
+                <a:schemeClr val="accent1"/>
+              </a:lnRef>
+              <a:fillRef idx="0">
+                <a:schemeClr val="accent1"/>
+              </a:fillRef>
+              <a:effectRef idx="0">
+                <a:schemeClr val="accent1"/>
+              </a:effectRef>
+              <a:fontRef idx="minor">
+                <a:schemeClr val="tx1"/>
+              </a:fontRef>
+            </p:style>
+          </p:cxnSp>
+          <p:cxnSp>
+            <p:nvCxnSpPr>
+              <p:cNvPr id="40" name="直接连接符 39"/>
+              <p:cNvCxnSpPr/>
+              <p:nvPr/>
+            </p:nvCxnSpPr>
+            <p:spPr>
+              <a:xfrm>
+                <a:off x="3059832" y="3717032"/>
+                <a:ext cx="0" cy="432048"/>
+              </a:xfrm>
+              <a:prstGeom prst="line">
+                <a:avLst/>
+              </a:prstGeom>
+            </p:spPr>
+            <p:style>
+              <a:lnRef idx="1">
+                <a:schemeClr val="accent1"/>
+              </a:lnRef>
+              <a:fillRef idx="0">
+                <a:schemeClr val="accent1"/>
+              </a:fillRef>
+              <a:effectRef idx="0">
+                <a:schemeClr val="accent1"/>
+              </a:effectRef>
+              <a:fontRef idx="minor">
+                <a:schemeClr val="tx1"/>
+              </a:fontRef>
+            </p:style>
+          </p:cxnSp>
+          <p:cxnSp>
+            <p:nvCxnSpPr>
+              <p:cNvPr id="41" name="直接连接符 40"/>
+              <p:cNvCxnSpPr/>
+              <p:nvPr/>
+            </p:nvCxnSpPr>
+            <p:spPr>
+              <a:xfrm>
+                <a:off x="3491880" y="3717032"/>
+                <a:ext cx="0" cy="432048"/>
+              </a:xfrm>
+              <a:prstGeom prst="line">
+                <a:avLst/>
+              </a:prstGeom>
+            </p:spPr>
+            <p:style>
+              <a:lnRef idx="1">
+                <a:schemeClr val="accent1"/>
+              </a:lnRef>
+              <a:fillRef idx="0">
+                <a:schemeClr val="accent1"/>
+              </a:fillRef>
+              <a:effectRef idx="0">
+                <a:schemeClr val="accent1"/>
+              </a:effectRef>
+              <a:fontRef idx="minor">
+                <a:schemeClr val="tx1"/>
+              </a:fontRef>
+            </p:style>
+          </p:cxnSp>
+          <p:cxnSp>
+            <p:nvCxnSpPr>
+              <p:cNvPr id="42" name="直接连接符 41"/>
+              <p:cNvCxnSpPr/>
+              <p:nvPr/>
+            </p:nvCxnSpPr>
+            <p:spPr>
+              <a:xfrm>
+                <a:off x="3707904" y="3717032"/>
+                <a:ext cx="0" cy="432048"/>
+              </a:xfrm>
+              <a:prstGeom prst="line">
+                <a:avLst/>
+              </a:prstGeom>
+            </p:spPr>
+            <p:style>
+              <a:lnRef idx="1">
+                <a:schemeClr val="accent1"/>
+              </a:lnRef>
+              <a:fillRef idx="0">
+                <a:schemeClr val="accent1"/>
+              </a:fillRef>
+              <a:effectRef idx="0">
+                <a:schemeClr val="accent1"/>
+              </a:effectRef>
+              <a:fontRef idx="minor">
+                <a:schemeClr val="tx1"/>
+              </a:fontRef>
+            </p:style>
+          </p:cxnSp>
+          <p:cxnSp>
+            <p:nvCxnSpPr>
+              <p:cNvPr id="43" name="直接连接符 42"/>
+              <p:cNvCxnSpPr/>
+              <p:nvPr/>
+            </p:nvCxnSpPr>
+            <p:spPr>
+              <a:xfrm>
+                <a:off x="3923928" y="3717032"/>
+                <a:ext cx="0" cy="432048"/>
+              </a:xfrm>
+              <a:prstGeom prst="line">
+                <a:avLst/>
+              </a:prstGeom>
+            </p:spPr>
+            <p:style>
+              <a:lnRef idx="1">
+                <a:schemeClr val="accent1"/>
+              </a:lnRef>
+              <a:fillRef idx="0">
+                <a:schemeClr val="accent1"/>
+              </a:fillRef>
+              <a:effectRef idx="0">
+                <a:schemeClr val="accent1"/>
+              </a:effectRef>
+              <a:fontRef idx="minor">
+                <a:schemeClr val="tx1"/>
+              </a:fontRef>
+            </p:style>
+          </p:cxnSp>
+        </p:grpSp>
+        <p:sp>
+          <p:nvSpPr>
+            <p:cNvPr id="33" name="文本框 32"/>
+            <p:cNvSpPr txBox="1"/>
+            <p:nvPr/>
+          </p:nvSpPr>
+          <p:spPr>
+            <a:xfrm>
+              <a:off x="2496088" y="2970979"/>
+              <a:ext cx="1969313" cy="307777"/>
+            </a:xfrm>
+            <a:prstGeom prst="rect">
+              <a:avLst/>
+            </a:prstGeom>
+            <a:noFill/>
+          </p:spPr>
+          <p:txBody>
+            <a:bodyPr wrap="none" rtlCol="0">
+              <a:spAutoFit/>
+            </a:bodyPr>
+            <a:lstStyle/>
+            <a:p>
+              <a:r>
+                <a:rPr lang="en-US" altLang="zh-CN" sz="1400" err="1" smtClean="0">
+                  <a:solidFill>
+                    <a:schemeClr val="tx2"/>
+                  </a:solidFill>
+                </a:rPr>
+                <a:t>LinkedBlockingQueue</a:t>
+              </a:r>
+              <a:r>
+                <a:rPr lang="en-US" altLang="zh-CN" sz="1400" smtClean="0">
+                  <a:solidFill>
+                    <a:schemeClr val="tx2"/>
+                  </a:solidFill>
+                </a:rPr>
+                <a:t> events</a:t>
+              </a:r>
+              <a:endParaRPr lang="zh-CN" altLang="en-US" sz="1400">
+                <a:solidFill>
+                  <a:schemeClr val="tx2"/>
+                </a:solidFill>
+              </a:endParaRPr>
+            </a:p>
+          </p:txBody>
+        </p:sp>
+      </p:grpSp>
+      <p:cxnSp>
+        <p:nvCxnSpPr>
+          <p:cNvPr id="46" name="直接箭头连接符 45"/>
+          <p:cNvCxnSpPr>
+            <a:stCxn id="45" idx="2"/>
+            <a:endCxn id="33" idx="0"/>
+          </p:cNvCxnSpPr>
+          <p:nvPr/>
+        </p:nvCxnSpPr>
+        <p:spPr>
+          <a:xfrm>
+            <a:off x="4487768" y="1630288"/>
+            <a:ext cx="0" cy="353059"/>
+          </a:xfrm>
+          <a:prstGeom prst="straightConnector1">
+            <a:avLst/>
+          </a:prstGeom>
+          <a:ln>
+            <a:tailEnd type="arrow"/>
+          </a:ln>
+        </p:spPr>
+        <p:style>
+          <a:lnRef idx="2">
+            <a:schemeClr val="accent4"/>
+          </a:lnRef>
+          <a:fillRef idx="1">
+            <a:schemeClr val="lt1"/>
+          </a:fillRef>
+          <a:effectRef idx="0">
+            <a:schemeClr val="accent4"/>
+          </a:effectRef>
+          <a:fontRef idx="minor">
+            <a:schemeClr val="dk1"/>
+          </a:fontRef>
+        </p:style>
+      </p:cxnSp>
+      <p:grpSp>
+        <p:nvGrpSpPr>
+          <p:cNvPr id="101" name="组合 100"/>
+          <p:cNvGrpSpPr/>
+          <p:nvPr/>
+        </p:nvGrpSpPr>
+        <p:grpSpPr>
+          <a:xfrm>
+            <a:off x="3555758" y="959001"/>
+            <a:ext cx="1864019" cy="671287"/>
+            <a:chOff x="3635896" y="559758"/>
+            <a:chExt cx="1864019" cy="671287"/>
+          </a:xfrm>
+        </p:grpSpPr>
+        <p:sp>
+          <p:nvSpPr>
+            <p:cNvPr id="45" name="矩形 44"/>
+            <p:cNvSpPr/>
+            <p:nvPr/>
+          </p:nvSpPr>
+          <p:spPr>
+            <a:xfrm>
+              <a:off x="3635896" y="855879"/>
+              <a:ext cx="1864019" cy="375166"/>
+            </a:xfrm>
+            <a:prstGeom prst="rect">
+              <a:avLst/>
+            </a:prstGeom>
+          </p:spPr>
+          <p:style>
+            <a:lnRef idx="2">
+              <a:schemeClr val="accent1">
+                <a:shade val="50000"/>
+              </a:schemeClr>
+            </a:lnRef>
+            <a:fillRef idx="1">
+              <a:schemeClr val="accent1"/>
+            </a:fillRef>
+            <a:effectRef idx="0">
+              <a:schemeClr val="accent1"/>
+            </a:effectRef>
+            <a:fontRef idx="minor">
+              <a:schemeClr val="lt1"/>
+            </a:fontRef>
+          </p:style>
+          <p:txBody>
+            <a:bodyPr rtlCol="0" anchor="ctr"/>
+            <a:lstStyle/>
+            <a:p>
+              <a:r>
+                <a:rPr lang="en-US" altLang="zh-CN" sz="1400" err="1"/>
+                <a:t>startContainerAsync</a:t>
+              </a:r>
+              <a:endParaRPr lang="zh-CN" altLang="en-US" sz="1400"/>
+            </a:p>
+          </p:txBody>
+        </p:sp>
+        <p:sp>
+          <p:nvSpPr>
+            <p:cNvPr id="49" name="文本框 48"/>
+            <p:cNvSpPr txBox="1"/>
+            <p:nvPr/>
+          </p:nvSpPr>
+          <p:spPr>
+            <a:xfrm>
+              <a:off x="3917791" y="559758"/>
+              <a:ext cx="1300228" cy="307777"/>
+            </a:xfrm>
+            <a:prstGeom prst="rect">
+              <a:avLst/>
+            </a:prstGeom>
+            <a:noFill/>
+          </p:spPr>
+          <p:txBody>
+            <a:bodyPr wrap="none" rtlCol="0">
+              <a:spAutoFit/>
+            </a:bodyPr>
+            <a:lstStyle/>
+            <a:p>
+              <a:r>
+                <a:rPr lang="en-US" altLang="zh-CN" sz="1400" err="1">
+                  <a:solidFill>
+                    <a:schemeClr val="tx2"/>
+                  </a:solidFill>
+                </a:rPr>
+                <a:t>NMClientAsync</a:t>
+              </a:r>
+              <a:endParaRPr lang="zh-CN" altLang="en-US" sz="1400">
+                <a:solidFill>
+                  <a:schemeClr val="tx2"/>
+                </a:solidFill>
+              </a:endParaRPr>
+            </a:p>
+          </p:txBody>
+        </p:sp>
+      </p:grpSp>
+      <p:sp>
+        <p:nvSpPr>
+          <p:cNvPr id="14" name="圆角矩形标注 13"/>
+          <p:cNvSpPr/>
+          <p:nvPr/>
+        </p:nvSpPr>
+        <p:spPr>
+          <a:xfrm>
+            <a:off x="5679563" y="1642101"/>
+            <a:ext cx="1800200" cy="268786"/>
+          </a:xfrm>
+          <a:prstGeom prst="wedgeRoundRectCallout">
+            <a:avLst>
+              <a:gd name="adj1" fmla="val -107363"/>
+              <a:gd name="adj2" fmla="val 11471"/>
+              <a:gd name="adj3" fmla="val 16667"/>
+            </a:avLst>
+          </a:prstGeom>
+        </p:spPr>
+        <p:style>
+          <a:lnRef idx="2">
+            <a:schemeClr val="accent3"/>
+          </a:lnRef>
+          <a:fillRef idx="1">
+            <a:schemeClr val="lt1"/>
+          </a:fillRef>
+          <a:effectRef idx="0">
+            <a:schemeClr val="accent3"/>
+          </a:effectRef>
+          <a:fontRef idx="minor">
+            <a:schemeClr val="dk1"/>
+          </a:fontRef>
+        </p:style>
+        <p:txBody>
+          <a:bodyPr rtlCol="0" anchor="ctr"/>
+          <a:lstStyle/>
+          <a:p>
+            <a:pPr algn="ctr"/>
+            <a:r>
+              <a:rPr lang="en-US" altLang="zh-CN" sz="1400" err="1"/>
+              <a:t>StartContainerEvent</a:t>
+            </a:r>
+            <a:endParaRPr lang="zh-CN" altLang="en-US" sz="1400"/>
+          </a:p>
+        </p:txBody>
+      </p:sp>
+      <p:grpSp>
+        <p:nvGrpSpPr>
+          <p:cNvPr id="69" name="组合 68"/>
+          <p:cNvGrpSpPr/>
+          <p:nvPr/>
+        </p:nvGrpSpPr>
+        <p:grpSpPr>
+          <a:xfrm>
+            <a:off x="983213" y="1965075"/>
+            <a:ext cx="2088232" cy="769437"/>
+            <a:chOff x="2555776" y="3019603"/>
+            <a:chExt cx="1802929" cy="769437"/>
+          </a:xfrm>
+        </p:grpSpPr>
+        <p:grpSp>
+          <p:nvGrpSpPr>
+            <p:cNvPr id="70" name="组合 69"/>
+            <p:cNvGrpSpPr/>
+            <p:nvPr/>
+          </p:nvGrpSpPr>
+          <p:grpSpPr>
+            <a:xfrm>
+              <a:off x="2555776" y="3356992"/>
+              <a:ext cx="1802929" cy="432048"/>
+              <a:chOff x="2373027" y="3717032"/>
+              <a:chExt cx="1802929" cy="432048"/>
+            </a:xfrm>
+          </p:grpSpPr>
+          <p:sp>
+            <p:nvSpPr>
+              <p:cNvPr id="72" name="圆角矩形 71"/>
+              <p:cNvSpPr/>
+              <p:nvPr/>
+            </p:nvSpPr>
+            <p:spPr>
+              <a:xfrm>
+                <a:off x="2373027" y="3717032"/>
+                <a:ext cx="1802929" cy="432048"/>
+              </a:xfrm>
+              <a:prstGeom prst="roundRect">
+                <a:avLst/>
+              </a:prstGeom>
+            </p:spPr>
+            <p:style>
+              <a:lnRef idx="2">
+                <a:schemeClr val="accent4"/>
+              </a:lnRef>
+              <a:fillRef idx="1">
+                <a:schemeClr val="lt1"/>
+              </a:fillRef>
+              <a:effectRef idx="0">
+                <a:schemeClr val="accent4"/>
+              </a:effectRef>
+              <a:fontRef idx="minor">
+                <a:schemeClr val="dk1"/>
+              </a:fontRef>
+            </p:style>
+            <p:txBody>
+              <a:bodyPr rtlCol="0" anchor="ctr"/>
+              <a:lstStyle/>
+              <a:p>
+                <a:pPr algn="ctr"/>
+                <a:endParaRPr lang="zh-CN" altLang="en-US" sz="1400"/>
+              </a:p>
+            </p:txBody>
+          </p:sp>
+          <p:cxnSp>
+            <p:nvCxnSpPr>
+              <p:cNvPr id="73" name="直接连接符 72"/>
+              <p:cNvCxnSpPr>
+                <a:stCxn id="72" idx="0"/>
+                <a:endCxn id="72" idx="2"/>
+              </p:cNvCxnSpPr>
+              <p:nvPr/>
+            </p:nvCxnSpPr>
+            <p:spPr>
+              <a:xfrm>
+                <a:off x="3274492" y="3717032"/>
+                <a:ext cx="0" cy="432048"/>
+              </a:xfrm>
+              <a:prstGeom prst="line">
+                <a:avLst/>
+              </a:prstGeom>
+            </p:spPr>
+            <p:style>
+              <a:lnRef idx="1">
+                <a:schemeClr val="accent1"/>
+              </a:lnRef>
+              <a:fillRef idx="0">
+                <a:schemeClr val="accent1"/>
+              </a:fillRef>
+              <a:effectRef idx="0">
+                <a:schemeClr val="accent1"/>
+              </a:effectRef>
+              <a:fontRef idx="minor">
+                <a:schemeClr val="tx1"/>
+              </a:fontRef>
+            </p:style>
+          </p:cxnSp>
+          <p:cxnSp>
+            <p:nvCxnSpPr>
+              <p:cNvPr id="74" name="直接连接符 73"/>
+              <p:cNvCxnSpPr/>
+              <p:nvPr/>
+            </p:nvCxnSpPr>
+            <p:spPr>
+              <a:xfrm>
+                <a:off x="2627784" y="3717032"/>
+                <a:ext cx="0" cy="432048"/>
+              </a:xfrm>
+              <a:prstGeom prst="line">
+                <a:avLst/>
+              </a:prstGeom>
+            </p:spPr>
+            <p:style>
+              <a:lnRef idx="1">
+                <a:schemeClr val="accent1"/>
+              </a:lnRef>
+              <a:fillRef idx="0">
+                <a:schemeClr val="accent1"/>
+              </a:fillRef>
+              <a:effectRef idx="0">
+                <a:schemeClr val="accent1"/>
+              </a:effectRef>
+              <a:fontRef idx="minor">
+                <a:schemeClr val="tx1"/>
+              </a:fontRef>
+            </p:style>
+          </p:cxnSp>
+          <p:cxnSp>
+            <p:nvCxnSpPr>
+              <p:cNvPr id="75" name="直接连接符 74"/>
+              <p:cNvCxnSpPr/>
+              <p:nvPr/>
+            </p:nvCxnSpPr>
+            <p:spPr>
+              <a:xfrm>
+                <a:off x="2843808" y="3717032"/>
+                <a:ext cx="0" cy="432048"/>
+              </a:xfrm>
+              <a:prstGeom prst="line">
+                <a:avLst/>
+              </a:prstGeom>
+            </p:spPr>
+            <p:style>
+              <a:lnRef idx="1">
+                <a:schemeClr val="accent1"/>
+              </a:lnRef>
+              <a:fillRef idx="0">
+                <a:schemeClr val="accent1"/>
+              </a:fillRef>
+              <a:effectRef idx="0">
+                <a:schemeClr val="accent1"/>
+              </a:effectRef>
+              <a:fontRef idx="minor">
+                <a:schemeClr val="tx1"/>
+              </a:fontRef>
+            </p:style>
+          </p:cxnSp>
+          <p:cxnSp>
+            <p:nvCxnSpPr>
+              <p:cNvPr id="76" name="直接连接符 75"/>
+              <p:cNvCxnSpPr/>
+              <p:nvPr/>
+            </p:nvCxnSpPr>
+            <p:spPr>
+              <a:xfrm>
+                <a:off x="3059832" y="3717032"/>
+                <a:ext cx="0" cy="432048"/>
+              </a:xfrm>
+              <a:prstGeom prst="line">
+                <a:avLst/>
+              </a:prstGeom>
+            </p:spPr>
+            <p:style>
+              <a:lnRef idx="1">
+                <a:schemeClr val="accent1"/>
+              </a:lnRef>
+              <a:fillRef idx="0">
+                <a:schemeClr val="accent1"/>
+              </a:fillRef>
+              <a:effectRef idx="0">
+                <a:schemeClr val="accent1"/>
+              </a:effectRef>
+              <a:fontRef idx="minor">
+                <a:schemeClr val="tx1"/>
+              </a:fontRef>
+            </p:style>
+          </p:cxnSp>
+          <p:cxnSp>
+            <p:nvCxnSpPr>
+              <p:cNvPr id="77" name="直接连接符 76"/>
+              <p:cNvCxnSpPr/>
+              <p:nvPr/>
+            </p:nvCxnSpPr>
+            <p:spPr>
+              <a:xfrm>
+                <a:off x="3491880" y="3717032"/>
+                <a:ext cx="0" cy="432048"/>
+              </a:xfrm>
+              <a:prstGeom prst="line">
+                <a:avLst/>
+              </a:prstGeom>
+            </p:spPr>
+            <p:style>
+              <a:lnRef idx="1">
+                <a:schemeClr val="accent1"/>
+              </a:lnRef>
+              <a:fillRef idx="0">
+                <a:schemeClr val="accent1"/>
+              </a:fillRef>
+              <a:effectRef idx="0">
+                <a:schemeClr val="accent1"/>
+              </a:effectRef>
+              <a:fontRef idx="minor">
+                <a:schemeClr val="tx1"/>
+              </a:fontRef>
+            </p:style>
+          </p:cxnSp>
+          <p:cxnSp>
+            <p:nvCxnSpPr>
+              <p:cNvPr id="78" name="直接连接符 77"/>
+              <p:cNvCxnSpPr/>
+              <p:nvPr/>
+            </p:nvCxnSpPr>
+            <p:spPr>
+              <a:xfrm>
+                <a:off x="3707904" y="3717032"/>
+                <a:ext cx="0" cy="432048"/>
+              </a:xfrm>
+              <a:prstGeom prst="line">
+                <a:avLst/>
+              </a:prstGeom>
+            </p:spPr>
+            <p:style>
+              <a:lnRef idx="1">
+                <a:schemeClr val="accent1"/>
+              </a:lnRef>
+              <a:fillRef idx="0">
+                <a:schemeClr val="accent1"/>
+              </a:fillRef>
+              <a:effectRef idx="0">
+                <a:schemeClr val="accent1"/>
+              </a:effectRef>
+              <a:fontRef idx="minor">
+                <a:schemeClr val="tx1"/>
+              </a:fontRef>
+            </p:style>
+          </p:cxnSp>
+          <p:cxnSp>
+            <p:nvCxnSpPr>
+              <p:cNvPr id="87" name="直接连接符 86"/>
+              <p:cNvCxnSpPr/>
+              <p:nvPr/>
+            </p:nvCxnSpPr>
+            <p:spPr>
+              <a:xfrm>
+                <a:off x="3923928" y="3717032"/>
+                <a:ext cx="0" cy="432048"/>
+              </a:xfrm>
+              <a:prstGeom prst="line">
+                <a:avLst/>
+              </a:prstGeom>
+            </p:spPr>
+            <p:style>
+              <a:lnRef idx="1">
+                <a:schemeClr val="accent1"/>
+              </a:lnRef>
+              <a:fillRef idx="0">
+                <a:schemeClr val="accent1"/>
+              </a:fillRef>
+              <a:effectRef idx="0">
+                <a:schemeClr val="accent1"/>
+              </a:effectRef>
+              <a:fontRef idx="minor">
+                <a:schemeClr val="tx1"/>
+              </a:fontRef>
+            </p:style>
+          </p:cxnSp>
+        </p:grpSp>
+        <p:sp>
+          <p:nvSpPr>
+            <p:cNvPr id="71" name="文本框 70"/>
+            <p:cNvSpPr txBox="1"/>
+            <p:nvPr/>
+          </p:nvSpPr>
+          <p:spPr>
+            <a:xfrm>
+              <a:off x="2859176" y="3019603"/>
+              <a:ext cx="1141739" cy="307777"/>
+            </a:xfrm>
+            <a:prstGeom prst="rect">
+              <a:avLst/>
+            </a:prstGeom>
+            <a:noFill/>
+          </p:spPr>
+          <p:txBody>
+            <a:bodyPr wrap="none" rtlCol="0">
+              <a:spAutoFit/>
+            </a:bodyPr>
+            <a:lstStyle/>
+            <a:p>
+              <a:r>
+                <a:rPr lang="en-US" altLang="zh-CN" sz="1400" smtClean="0">
+                  <a:solidFill>
+                    <a:schemeClr val="tx2"/>
+                  </a:solidFill>
+                </a:rPr>
+                <a:t>Map </a:t>
+              </a:r>
+              <a:r>
+                <a:rPr lang="en-US" altLang="zh-CN" sz="1400" smtClean="0">
+                  <a:solidFill>
+                    <a:schemeClr val="tx2"/>
+                  </a:solidFill>
+                </a:rPr>
+                <a:t>containers</a:t>
+              </a:r>
+              <a:endParaRPr lang="zh-CN" altLang="en-US" sz="1400">
+                <a:solidFill>
+                  <a:schemeClr val="tx2"/>
+                </a:solidFill>
+              </a:endParaRPr>
+            </a:p>
+          </p:txBody>
+        </p:sp>
+      </p:grpSp>
+      <p:cxnSp>
+        <p:nvCxnSpPr>
+          <p:cNvPr id="88" name="直接箭头连接符 87"/>
+          <p:cNvCxnSpPr>
+            <a:stCxn id="45" idx="2"/>
+            <a:endCxn id="71" idx="0"/>
+          </p:cNvCxnSpPr>
+          <p:nvPr/>
+        </p:nvCxnSpPr>
+        <p:spPr>
+          <a:xfrm rot="5400000">
+            <a:off x="3074407" y="551713"/>
+            <a:ext cx="334787" cy="2491937"/>
+          </a:xfrm>
+          <a:prstGeom prst="bentConnector3">
+            <a:avLst>
+              <a:gd name="adj1" fmla="val 50000"/>
+            </a:avLst>
+          </a:prstGeom>
+          <a:ln>
+            <a:tailEnd type="arrow"/>
+          </a:ln>
+        </p:spPr>
+        <p:style>
+          <a:lnRef idx="2">
+            <a:schemeClr val="accent4"/>
+          </a:lnRef>
+          <a:fillRef idx="1">
+            <a:schemeClr val="lt1"/>
+          </a:fillRef>
+          <a:effectRef idx="0">
+            <a:schemeClr val="accent4"/>
+          </a:effectRef>
+          <a:fontRef idx="minor">
+            <a:schemeClr val="dk1"/>
+          </a:fontRef>
+        </p:style>
+      </p:cxnSp>
+      <p:sp>
+        <p:nvSpPr>
+          <p:cNvPr id="95" name="文本框 94"/>
+          <p:cNvSpPr txBox="1"/>
+          <p:nvPr/>
+        </p:nvSpPr>
+        <p:spPr>
+          <a:xfrm>
+            <a:off x="3410666" y="2977739"/>
+            <a:ext cx="1894173" cy="307777"/>
+          </a:xfrm>
+          <a:prstGeom prst="rect">
+            <a:avLst/>
+          </a:prstGeom>
+          <a:noFill/>
+        </p:spPr>
+        <p:txBody>
+          <a:bodyPr wrap="none" rtlCol="0">
+            <a:spAutoFit/>
+          </a:bodyPr>
+          <a:lstStyle/>
+          <a:p>
+            <a:r>
+              <a:rPr lang="en-US" altLang="zh-CN" sz="1400" err="1">
+                <a:solidFill>
+                  <a:schemeClr val="tx2"/>
+                </a:solidFill>
+              </a:rPr>
+              <a:t>eventDispatcherThread</a:t>
+            </a:r>
+            <a:endParaRPr lang="zh-CN" altLang="en-US" sz="1400">
+              <a:solidFill>
+                <a:schemeClr val="tx2"/>
+              </a:solidFill>
+            </a:endParaRPr>
+          </a:p>
+        </p:txBody>
+      </p:sp>
+      <p:cxnSp>
+        <p:nvCxnSpPr>
+          <p:cNvPr id="98" name="直接箭头连接符 97"/>
+          <p:cNvCxnSpPr>
+            <a:stCxn id="34" idx="2"/>
+            <a:endCxn id="100" idx="0"/>
+          </p:cNvCxnSpPr>
+          <p:nvPr/>
+        </p:nvCxnSpPr>
+        <p:spPr>
+          <a:xfrm>
+            <a:off x="4460544" y="2801408"/>
+            <a:ext cx="27224" cy="683564"/>
+          </a:xfrm>
+          <a:prstGeom prst="straightConnector1">
+            <a:avLst/>
+          </a:prstGeom>
+          <a:ln>
+            <a:tailEnd type="arrow"/>
+          </a:ln>
+        </p:spPr>
+        <p:style>
+          <a:lnRef idx="2">
+            <a:schemeClr val="accent4"/>
+          </a:lnRef>
+          <a:fillRef idx="1">
+            <a:schemeClr val="lt1"/>
+          </a:fillRef>
+          <a:effectRef idx="0">
+            <a:schemeClr val="accent4"/>
+          </a:effectRef>
+          <a:fontRef idx="minor">
+            <a:schemeClr val="dk1"/>
+          </a:fontRef>
+        </p:style>
+      </p:cxnSp>
+      <p:grpSp>
+        <p:nvGrpSpPr>
+          <p:cNvPr id="121" name="组合 120"/>
+          <p:cNvGrpSpPr/>
+          <p:nvPr/>
+        </p:nvGrpSpPr>
+        <p:grpSpPr>
+          <a:xfrm>
+            <a:off x="2243295" y="3484972"/>
+            <a:ext cx="4488945" cy="1528204"/>
+            <a:chOff x="2243295" y="3085729"/>
+            <a:chExt cx="4488945" cy="1528204"/>
+          </a:xfrm>
+        </p:grpSpPr>
+        <p:sp>
+          <p:nvSpPr>
+            <p:cNvPr id="100" name="圆角矩形 99"/>
+            <p:cNvSpPr/>
+            <p:nvPr/>
+          </p:nvSpPr>
+          <p:spPr>
+            <a:xfrm>
+              <a:off x="2243295" y="3085729"/>
+              <a:ext cx="4488945" cy="1528204"/>
+            </a:xfrm>
+            <a:prstGeom prst="roundRect">
+              <a:avLst/>
+            </a:prstGeom>
+          </p:spPr>
+          <p:style>
+            <a:lnRef idx="2">
+              <a:schemeClr val="accent6"/>
+            </a:lnRef>
+            <a:fillRef idx="1">
+              <a:schemeClr val="lt1"/>
+            </a:fillRef>
+            <a:effectRef idx="0">
+              <a:schemeClr val="accent6"/>
+            </a:effectRef>
+            <a:fontRef idx="minor">
+              <a:schemeClr val="dk1"/>
+            </a:fontRef>
+          </p:style>
+          <p:txBody>
+            <a:bodyPr rtlCol="0" anchor="ctr"/>
+            <a:lstStyle/>
+            <a:p>
+              <a:pPr algn="ctr"/>
+              <a:endParaRPr lang="zh-CN" altLang="en-US"/>
+            </a:p>
+          </p:txBody>
+        </p:sp>
+        <p:grpSp>
+          <p:nvGrpSpPr>
+            <p:cNvPr id="110" name="组合 109"/>
+            <p:cNvGrpSpPr/>
+            <p:nvPr/>
+          </p:nvGrpSpPr>
+          <p:grpSpPr>
+            <a:xfrm>
+              <a:off x="2339512" y="3175125"/>
+              <a:ext cx="2842868" cy="1193865"/>
+              <a:chOff x="2339512" y="3175125"/>
+              <a:chExt cx="2842868" cy="1193865"/>
+            </a:xfrm>
+          </p:grpSpPr>
+          <p:sp>
+            <p:nvSpPr>
+              <p:cNvPr id="26" name="矩形 25"/>
+              <p:cNvSpPr/>
+              <p:nvPr/>
+            </p:nvSpPr>
+            <p:spPr>
+              <a:xfrm>
+                <a:off x="2339512" y="3455724"/>
+                <a:ext cx="2842868" cy="913266"/>
+              </a:xfrm>
+              <a:prstGeom prst="rect">
+                <a:avLst/>
+              </a:prstGeom>
+            </p:spPr>
+            <p:style>
+              <a:lnRef idx="2">
+                <a:schemeClr val="accent6"/>
+              </a:lnRef>
+              <a:fillRef idx="1">
+                <a:schemeClr val="lt1"/>
+              </a:fillRef>
+              <a:effectRef idx="0">
+                <a:schemeClr val="accent6"/>
+              </a:effectRef>
+              <a:fontRef idx="minor">
+                <a:schemeClr val="dk1"/>
+              </a:fontRef>
+            </p:style>
+            <p:txBody>
+              <a:bodyPr rtlCol="0" anchor="ctr"/>
+              <a:lstStyle/>
+              <a:p>
+                <a:r>
+                  <a:rPr lang="en-US" altLang="zh-CN" sz="1400" err="1" smtClean="0"/>
+                  <a:t>container.StartContainerTransition</a:t>
+                </a:r>
+                <a:endParaRPr lang="en-US" altLang="zh-CN" sz="1400" smtClean="0"/>
+              </a:p>
+              <a:p>
+                <a:r>
+                  <a:rPr lang="en-US" altLang="zh-CN" sz="1400" smtClean="0"/>
+                  <a:t>proxy = </a:t>
+                </a:r>
+                <a:r>
+                  <a:rPr lang="en-US" altLang="zh-CN" sz="1400" err="1" smtClean="0"/>
+                  <a:t>cmProxy.getProxy</a:t>
+                </a:r>
+                <a:r>
+                  <a:rPr lang="en-US" altLang="zh-CN" sz="1400" smtClean="0"/>
+                  <a:t>()</a:t>
+                </a:r>
+                <a:endParaRPr lang="zh-CN" altLang="en-US" sz="1400" smtClean="0"/>
+              </a:p>
+              <a:p>
+                <a:r>
+                  <a:rPr lang="en-US" altLang="zh-CN" sz="1400" err="1" smtClean="0"/>
+                  <a:t>proxy.getContainerManagementProtocol</a:t>
+                </a:r>
+                <a:r>
+                  <a:rPr lang="en-US" altLang="zh-CN" sz="1400" smtClean="0"/>
+                  <a:t>().</a:t>
+                </a:r>
+                <a:r>
+                  <a:rPr lang="en-US" altLang="zh-CN" sz="1400" err="1" smtClean="0"/>
+                  <a:t>startContainers</a:t>
+                </a:r>
+                <a:r>
+                  <a:rPr lang="en-US" altLang="zh-CN" sz="1400" smtClean="0"/>
+                  <a:t>(</a:t>
+                </a:r>
+                <a:r>
+                  <a:rPr lang="en-US" altLang="zh-CN" sz="1400" err="1" smtClean="0"/>
+                  <a:t>allRequests</a:t>
+                </a:r>
+                <a:r>
+                  <a:rPr lang="en-US" altLang="zh-CN" sz="1400" smtClean="0"/>
+                  <a:t>);</a:t>
+                </a:r>
+                <a:endParaRPr lang="zh-CN" altLang="en-US" sz="1400"/>
+              </a:p>
+            </p:txBody>
+          </p:sp>
+          <p:sp>
+            <p:nvSpPr>
+              <p:cNvPr id="103" name="文本框 102"/>
+              <p:cNvSpPr txBox="1"/>
+              <p:nvPr/>
+            </p:nvSpPr>
+            <p:spPr>
+              <a:xfrm>
+                <a:off x="2750862" y="3175125"/>
+                <a:ext cx="2020168" cy="307777"/>
+              </a:xfrm>
+              <a:prstGeom prst="rect">
+                <a:avLst/>
+              </a:prstGeom>
+              <a:noFill/>
+            </p:spPr>
+            <p:txBody>
+              <a:bodyPr wrap="none" rtlCol="0">
+                <a:spAutoFit/>
+              </a:bodyPr>
+              <a:lstStyle/>
+              <a:p>
+                <a:r>
+                  <a:rPr lang="en-US" altLang="zh-CN" sz="1400" err="1">
+                    <a:solidFill>
+                      <a:schemeClr val="tx2"/>
+                    </a:solidFill>
+                  </a:rPr>
+                  <a:t>ContainerEventProcessor</a:t>
+                </a:r>
+                <a:endParaRPr lang="zh-CN" altLang="en-US" sz="1400">
+                  <a:solidFill>
+                    <a:schemeClr val="tx2"/>
+                  </a:solidFill>
+                </a:endParaRPr>
+              </a:p>
+            </p:txBody>
+          </p:sp>
+        </p:grpSp>
+        <p:sp>
+          <p:nvSpPr>
+            <p:cNvPr id="115" name="圆角矩形 114"/>
+            <p:cNvSpPr/>
+            <p:nvPr/>
+          </p:nvSpPr>
+          <p:spPr>
+            <a:xfrm>
+              <a:off x="5391825" y="3329013"/>
+              <a:ext cx="287738" cy="1039977"/>
+            </a:xfrm>
+            <a:prstGeom prst="roundRect">
+              <a:avLst/>
+            </a:prstGeom>
+          </p:spPr>
+          <p:style>
+            <a:lnRef idx="2">
+              <a:schemeClr val="accent6">
+                <a:shade val="50000"/>
+              </a:schemeClr>
+            </a:lnRef>
+            <a:fillRef idx="1">
+              <a:schemeClr val="accent6"/>
+            </a:fillRef>
+            <a:effectRef idx="0">
+              <a:schemeClr val="accent6"/>
+            </a:effectRef>
+            <a:fontRef idx="minor">
+              <a:schemeClr val="lt1"/>
+            </a:fontRef>
+          </p:style>
+          <p:txBody>
+            <a:bodyPr rtlCol="0" anchor="ctr"/>
+            <a:lstStyle/>
+            <a:p>
+              <a:pPr algn="ctr"/>
+              <a:endParaRPr lang="zh-CN" altLang="en-US"/>
+            </a:p>
+          </p:txBody>
+        </p:sp>
+        <p:sp>
+          <p:nvSpPr>
+            <p:cNvPr id="117" name="圆角矩形 116"/>
+            <p:cNvSpPr/>
+            <p:nvPr/>
+          </p:nvSpPr>
+          <p:spPr>
+            <a:xfrm>
+              <a:off x="5819375" y="3329012"/>
+              <a:ext cx="287738" cy="1039977"/>
+            </a:xfrm>
+            <a:prstGeom prst="roundRect">
+              <a:avLst/>
+            </a:prstGeom>
+          </p:spPr>
+          <p:style>
+            <a:lnRef idx="2">
+              <a:schemeClr val="accent6">
+                <a:shade val="50000"/>
+              </a:schemeClr>
+            </a:lnRef>
+            <a:fillRef idx="1">
+              <a:schemeClr val="accent6"/>
+            </a:fillRef>
+            <a:effectRef idx="0">
+              <a:schemeClr val="accent6"/>
+            </a:effectRef>
+            <a:fontRef idx="minor">
+              <a:schemeClr val="lt1"/>
+            </a:fontRef>
+          </p:style>
+          <p:txBody>
+            <a:bodyPr rtlCol="0" anchor="ctr"/>
+            <a:lstStyle/>
+            <a:p>
+              <a:pPr algn="ctr"/>
+              <a:endParaRPr lang="zh-CN" altLang="en-US"/>
+            </a:p>
+          </p:txBody>
+        </p:sp>
+        <p:sp>
+          <p:nvSpPr>
+            <p:cNvPr id="119" name="圆角矩形 118"/>
+            <p:cNvSpPr/>
+            <p:nvPr/>
+          </p:nvSpPr>
+          <p:spPr>
+            <a:xfrm>
+              <a:off x="6293701" y="3329012"/>
+              <a:ext cx="287738" cy="1039977"/>
+            </a:xfrm>
+            <a:prstGeom prst="roundRect">
+              <a:avLst/>
+            </a:prstGeom>
+          </p:spPr>
+          <p:style>
+            <a:lnRef idx="2">
+              <a:schemeClr val="accent6">
+                <a:shade val="50000"/>
+              </a:schemeClr>
+            </a:lnRef>
+            <a:fillRef idx="1">
+              <a:schemeClr val="accent6"/>
+            </a:fillRef>
+            <a:effectRef idx="0">
+              <a:schemeClr val="accent6"/>
+            </a:effectRef>
+            <a:fontRef idx="minor">
+              <a:schemeClr val="lt1"/>
+            </a:fontRef>
+          </p:style>
+          <p:txBody>
+            <a:bodyPr rtlCol="0" anchor="ctr"/>
+            <a:lstStyle/>
+            <a:p>
+              <a:pPr algn="ctr"/>
+              <a:endParaRPr lang="zh-CN" altLang="en-US"/>
+            </a:p>
+          </p:txBody>
+        </p:sp>
+      </p:grpSp>
+    </p:spTree>
+    <p:extLst>
+      <p:ext uri="{BB962C8B-B14F-4D97-AF65-F5344CB8AC3E}">
+        <p14:creationId xmlns:p14="http://schemas.microsoft.com/office/powerpoint/2010/main" val="3802365983"/>
+      </p:ext>
+    </p:extLst>
+  </p:cSld>
+  <p:clrMapOvr>
+    <a:masterClrMapping/>
+  </p:clrMapOvr>
+  <p:timing>
+    <p:tnLst>
+      <p:par>
+        <p:cTn id="1" dur="indefinite" restart="never" nodeType="tmRoot"/>
+      </p:par>
+    </p:tnLst>
+  </p:timing>
+</p:sld>
+</file>
+
+<file path=ppt/slides/slide4.xml><?xml version="1.0" encoding="utf-8"?>
+<p:sld xmlns:a="http://schemas.openxmlformats.org/drawingml/2006/main" xmlns:r="http://schemas.openxmlformats.org/officeDocument/2006/relationships" xmlns:p="http://schemas.openxmlformats.org/presentationml/2006/main">
+  <p:cSld>
+    <p:spTree>
+      <p:nvGrpSpPr>
+        <p:cNvPr id="1" name=""/>
+        <p:cNvGrpSpPr/>
+        <p:nvPr/>
+      </p:nvGrpSpPr>
+      <p:grpSpPr>
+        <a:xfrm>
+          <a:off x="0" y="0"/>
+          <a:ext cx="0" cy="0"/>
+          <a:chOff x="0" y="0"/>
+          <a:chExt cx="0" cy="0"/>
+        </a:xfrm>
+      </p:grpSpPr>
+      <p:sp>
+        <p:nvSpPr>
           <p:cNvPr id="2" name="标题 1"/>
           <p:cNvSpPr>
             <a:spLocks noGrp="1"/>
@@ -5366,7 +7806,7 @@
           <a:lstStyle/>
           <a:p>
             <a:r>
-              <a:rPr lang="en-US" altLang="zh-CN" dirty="0" err="1" smtClean="0">
+              <a:rPr lang="en-US" altLang="zh-CN" err="1" smtClean="0">
                 <a:solidFill>
                   <a:schemeClr val="tx2">
                     <a:lumMod val="50000"/>
@@ -5377,7 +7817,7 @@
               <a:t>Qjournal</a:t>
             </a:r>
             <a:r>
-              <a:rPr lang="en-US" altLang="zh-CN" dirty="0" smtClean="0">
+              <a:rPr lang="en-US" altLang="zh-CN" smtClean="0">
                 <a:solidFill>
                   <a:schemeClr val="tx2">
                     <a:lumMod val="50000"/>
@@ -5388,7 +7828,7 @@
               <a:t> </a:t>
             </a:r>
             <a:r>
-              <a:rPr lang="en-US" altLang="zh-CN" dirty="0" err="1" smtClean="0">
+              <a:rPr lang="en-US" altLang="zh-CN" err="1" smtClean="0">
                 <a:solidFill>
                   <a:schemeClr val="tx2">
                     <a:lumMod val="50000"/>
@@ -5399,7 +7839,7 @@
               <a:t>ProtoBuf</a:t>
             </a:r>
             <a:r>
-              <a:rPr lang="en-US" altLang="zh-CN" dirty="0" smtClean="0">
+              <a:rPr lang="en-US" altLang="zh-CN" smtClean="0">
                 <a:solidFill>
                   <a:schemeClr val="tx2">
                     <a:lumMod val="50000"/>
@@ -5410,7 +7850,7 @@
               <a:t> RPC</a:t>
             </a:r>
             <a:r>
-              <a:rPr lang="zh-CN" altLang="en-US" dirty="0" smtClean="0">
+              <a:rPr lang="zh-CN" altLang="en-US" smtClean="0">
                 <a:solidFill>
                   <a:schemeClr val="tx2">
                     <a:lumMod val="50000"/>
@@ -5420,7 +7860,7 @@
               </a:rPr>
               <a:t>实现</a:t>
             </a:r>
-            <a:endParaRPr lang="zh-CN" altLang="en-US" dirty="0"/>
+            <a:endParaRPr lang="zh-CN" altLang="en-US"/>
           </a:p>
         </p:txBody>
       </p:sp>
@@ -5466,7 +7906,7 @@
               </a:spcAft>
             </a:pPr>
             <a:r>
-              <a:rPr lang="zh-CN" altLang="zh-CN" sz="1100" dirty="0" smtClean="0">
+              <a:rPr lang="zh-CN" altLang="zh-CN" sz="1100" smtClean="0">
                 <a:solidFill>
                   <a:schemeClr val="tx2">
                     <a:lumMod val="50000"/>
@@ -5477,7 +7917,7 @@
               <a:t>JournalNodeRpcServer</a:t>
             </a:r>
             <a:r>
-              <a:rPr lang="en-US" altLang="zh-CN" sz="1100" dirty="0" smtClean="0">
+              <a:rPr lang="en-US" altLang="zh-CN" sz="1100" smtClean="0">
                 <a:solidFill>
                   <a:schemeClr val="tx2">
                     <a:lumMod val="50000"/>
@@ -5488,7 +7928,7 @@
               <a:t> </a:t>
             </a:r>
             <a:r>
-              <a:rPr lang="zh-CN" altLang="en-US" sz="1100" dirty="0" smtClean="0">
+              <a:rPr lang="zh-CN" altLang="en-US" sz="1100" smtClean="0">
                 <a:solidFill>
                   <a:schemeClr val="tx2">
                     <a:lumMod val="50000"/>
@@ -5499,7 +7939,7 @@
               <a:t>： </a:t>
             </a:r>
             <a:r>
-              <a:rPr lang="en-US" altLang="zh-CN" sz="1100" dirty="0" smtClean="0">
+              <a:rPr lang="en-US" altLang="zh-CN" sz="1100" smtClean="0">
                 <a:solidFill>
                   <a:schemeClr val="tx2">
                     <a:lumMod val="50000"/>
@@ -5509,7 +7949,7 @@
               </a:rPr>
               <a:t>server</a:t>
             </a:r>
-            <a:endParaRPr kumimoji="0" lang="zh-CN" altLang="zh-CN" sz="1100" i="0" u="none" strike="noStrike" cap="none" normalizeH="0" baseline="0" dirty="0" smtClean="0">
+            <a:endParaRPr kumimoji="0" lang="zh-CN" altLang="zh-CN" sz="1100" i="0" u="none" strike="noStrike" cap="none" normalizeH="0" baseline="0" smtClean="0">
               <a:ln>
                 <a:noFill/>
               </a:ln>
@@ -5566,7 +8006,7 @@
               </a:spcAft>
             </a:pPr>
             <a:r>
-              <a:rPr lang="en-US" altLang="zh-CN" sz="1100" dirty="0" err="1" smtClean="0">
+              <a:rPr lang="en-US" altLang="zh-CN" sz="1100" err="1" smtClean="0">
                 <a:solidFill>
                   <a:schemeClr val="tx2">
                     <a:lumMod val="50000"/>
@@ -5577,7 +8017,7 @@
               <a:t>IPCLoggerChannel</a:t>
             </a:r>
             <a:r>
-              <a:rPr lang="en-US" altLang="zh-CN" sz="1100" dirty="0" smtClean="0">
+              <a:rPr lang="en-US" altLang="zh-CN" sz="1100" smtClean="0">
                 <a:solidFill>
                   <a:schemeClr val="tx2">
                     <a:lumMod val="50000"/>
@@ -5587,7 +8027,7 @@
               </a:rPr>
               <a:t> : Client</a:t>
             </a:r>
-            <a:endParaRPr kumimoji="0" lang="zh-CN" altLang="zh-CN" sz="1100" i="0" u="none" strike="noStrike" cap="none" normalizeH="0" baseline="0" dirty="0" smtClean="0">
+            <a:endParaRPr kumimoji="0" lang="zh-CN" altLang="zh-CN" sz="1100" i="0" u="none" strike="noStrike" cap="none" normalizeH="0" baseline="0" smtClean="0">
               <a:ln>
                 <a:noFill/>
               </a:ln>
@@ -5644,7 +8084,7 @@
               </a:spcAft>
             </a:pPr>
             <a:r>
-              <a:rPr lang="en-US" altLang="zh-CN" sz="1100" dirty="0" err="1" smtClean="0">
+              <a:rPr lang="en-US" altLang="zh-CN" sz="1100" err="1" smtClean="0">
                 <a:solidFill>
                   <a:schemeClr val="tx2">
                     <a:lumMod val="50000"/>
@@ -5655,7 +8095,7 @@
               <a:t>QJournalProtocolPB</a:t>
             </a:r>
             <a:r>
-              <a:rPr lang="en-US" altLang="zh-CN" sz="1100" dirty="0" smtClean="0">
+              <a:rPr lang="en-US" altLang="zh-CN" sz="1100" smtClean="0">
                 <a:solidFill>
                   <a:schemeClr val="tx2">
                     <a:lumMod val="50000"/>
@@ -5666,7 +8106,7 @@
               <a:t> : </a:t>
             </a:r>
             <a:r>
-              <a:rPr lang="zh-CN" altLang="en-US" sz="1100" dirty="0" smtClean="0">
+              <a:rPr lang="zh-CN" altLang="en-US" sz="1100" smtClean="0">
                 <a:solidFill>
                   <a:schemeClr val="tx2">
                     <a:lumMod val="50000"/>
@@ -5676,7 +8116,7 @@
               </a:rPr>
               <a:t>只是定义服务在客户端和服务器端指定都使用这个协议通信而已，作用不大</a:t>
             </a:r>
-            <a:endParaRPr kumimoji="0" lang="zh-CN" altLang="zh-CN" sz="1100" i="0" u="none" strike="noStrike" cap="none" normalizeH="0" baseline="0" dirty="0" smtClean="0">
+            <a:endParaRPr kumimoji="0" lang="zh-CN" altLang="zh-CN" sz="1100" i="0" u="none" strike="noStrike" cap="none" normalizeH="0" baseline="0" smtClean="0">
               <a:ln>
                 <a:noFill/>
               </a:ln>
@@ -5733,7 +8173,7 @@
               </a:spcAft>
             </a:pPr>
             <a:r>
-              <a:rPr lang="en-US" altLang="zh-CN" sz="1100" dirty="0" err="1" smtClean="0">
+              <a:rPr lang="en-US" altLang="zh-CN" sz="1100" err="1" smtClean="0">
                 <a:solidFill>
                   <a:schemeClr val="tx2">
                     <a:lumMod val="50000"/>
@@ -5744,7 +8184,7 @@
               <a:t>QJournalProtocol</a:t>
             </a:r>
             <a:r>
-              <a:rPr lang="en-US" altLang="zh-CN" sz="1100" dirty="0" smtClean="0">
+              <a:rPr lang="en-US" altLang="zh-CN" sz="1100" smtClean="0">
                 <a:solidFill>
                   <a:schemeClr val="tx2">
                     <a:lumMod val="50000"/>
@@ -5755,7 +8195,7 @@
               <a:t> : </a:t>
             </a:r>
             <a:r>
-              <a:rPr lang="zh-CN" altLang="en-US" sz="1100" dirty="0" smtClean="0">
+              <a:rPr lang="zh-CN" altLang="en-US" sz="1100" smtClean="0">
                 <a:solidFill>
                   <a:schemeClr val="tx2">
                     <a:lumMod val="50000"/>
@@ -5766,7 +8206,7 @@
               <a:t>服务</a:t>
             </a:r>
             <a:r>
-              <a:rPr lang="zh-CN" altLang="en-US" sz="1100" dirty="0">
+              <a:rPr lang="zh-CN" altLang="en-US" sz="1100">
                 <a:solidFill>
                   <a:schemeClr val="tx2">
                     <a:lumMod val="50000"/>
@@ -5777,7 +8217,7 @@
               <a:t>接口</a:t>
             </a:r>
             <a:r>
-              <a:rPr lang="zh-CN" altLang="en-US" sz="1100" dirty="0" smtClean="0">
+              <a:rPr lang="zh-CN" altLang="en-US" sz="1100" smtClean="0">
                 <a:solidFill>
                   <a:schemeClr val="tx2">
                     <a:lumMod val="50000"/>
@@ -5787,7 +8227,7 @@
               </a:rPr>
               <a:t>定义</a:t>
             </a:r>
-            <a:endParaRPr kumimoji="0" lang="zh-CN" altLang="zh-CN" sz="1100" i="0" u="none" strike="noStrike" cap="none" normalizeH="0" baseline="0" dirty="0" smtClean="0">
+            <a:endParaRPr kumimoji="0" lang="zh-CN" altLang="zh-CN" sz="1100" i="0" u="none" strike="noStrike" cap="none" normalizeH="0" baseline="0" smtClean="0">
               <a:ln>
                 <a:noFill/>
               </a:ln>
@@ -5836,7 +8276,7 @@
           <a:lstStyle/>
           <a:p>
             <a:r>
-              <a:rPr lang="en-US" altLang="zh-CN" sz="1100" dirty="0">
+              <a:rPr lang="en-US" altLang="zh-CN" sz="1100">
                 <a:solidFill>
                   <a:schemeClr val="tx2">
                     <a:lumMod val="50000"/>
@@ -5846,7 +8286,7 @@
               <a:t>server = new </a:t>
             </a:r>
             <a:r>
-              <a:rPr lang="en-US" altLang="zh-CN" sz="1100" dirty="0" err="1">
+              <a:rPr lang="en-US" altLang="zh-CN" sz="1100" err="1">
                 <a:solidFill>
                   <a:schemeClr val="tx2">
                     <a:lumMod val="50000"/>
@@ -5855,7 +8295,7 @@
               </a:rPr>
               <a:t>RPC.Builder</a:t>
             </a:r>
-            <a:endParaRPr lang="en-US" altLang="zh-CN" sz="1100" dirty="0">
+            <a:endParaRPr lang="en-US" altLang="zh-CN" sz="1100">
               <a:solidFill>
                 <a:schemeClr val="tx2">
                   <a:lumMod val="50000"/>
@@ -5865,7 +8305,7 @@
           </a:p>
           <a:p>
             <a:r>
-              <a:rPr lang="en-US" altLang="zh-CN" sz="1100" dirty="0">
+              <a:rPr lang="en-US" altLang="zh-CN" sz="1100">
                 <a:solidFill>
                   <a:schemeClr val="tx2">
                     <a:lumMod val="50000"/>
@@ -5875,7 +8315,7 @@
               <a:t>new </a:t>
             </a:r>
             <a:r>
-              <a:rPr lang="en-US" altLang="zh-CN" sz="1100" dirty="0" err="1">
+              <a:rPr lang="en-US" altLang="zh-CN" sz="1100" err="1">
                 <a:solidFill>
                   <a:schemeClr val="tx2">
                     <a:lumMod val="50000"/>
@@ -5885,7 +8325,7 @@
               <a:t>QJournalProtocolServerSideTranslatorPB</a:t>
             </a:r>
             <a:r>
-              <a:rPr lang="en-US" altLang="zh-CN" sz="1100" dirty="0">
+              <a:rPr lang="en-US" altLang="zh-CN" sz="1100">
                 <a:solidFill>
                   <a:schemeClr val="tx2">
                     <a:lumMod val="50000"/>
@@ -5897,7 +8337,7 @@
           </a:p>
           <a:p>
             <a:r>
-              <a:rPr lang="en-US" altLang="zh-CN" sz="1100" dirty="0">
+              <a:rPr lang="en-US" altLang="zh-CN" sz="1100">
                 <a:solidFill>
                   <a:schemeClr val="tx2">
                     <a:lumMod val="50000"/>
@@ -5909,7 +8349,7 @@
           </a:p>
           <a:p>
             <a:r>
-              <a:rPr lang="zh-CN" altLang="en-US" sz="1100" dirty="0">
+              <a:rPr lang="zh-CN" altLang="en-US" sz="1100">
                 <a:solidFill>
                   <a:schemeClr val="tx2">
                     <a:lumMod val="50000"/>
@@ -5955,7 +8395,7 @@
           <a:lstStyle/>
           <a:p>
             <a:r>
-              <a:rPr lang="en-US" altLang="zh-CN" sz="1100" dirty="0" err="1" smtClean="0">
+              <a:rPr lang="en-US" altLang="zh-CN" sz="1100" err="1" smtClean="0">
                 <a:solidFill>
                   <a:schemeClr val="tx2">
                     <a:lumMod val="50000"/>
@@ -5965,7 +8405,7 @@
               <a:t>QJournalProtocolPB</a:t>
             </a:r>
             <a:r>
-              <a:rPr lang="en-US" altLang="zh-CN" sz="1100" dirty="0" smtClean="0">
+              <a:rPr lang="en-US" altLang="zh-CN" sz="1100" smtClean="0">
                 <a:solidFill>
                   <a:schemeClr val="tx2">
                     <a:lumMod val="50000"/>
@@ -5975,7 +8415,7 @@
               <a:t> </a:t>
             </a:r>
             <a:r>
-              <a:rPr lang="en-US" altLang="zh-CN" sz="1100" dirty="0" err="1" smtClean="0">
+              <a:rPr lang="en-US" altLang="zh-CN" sz="1100" err="1" smtClean="0">
                 <a:solidFill>
                   <a:schemeClr val="tx2">
                     <a:lumMod val="50000"/>
@@ -5985,7 +8425,7 @@
               <a:t>pbproxy</a:t>
             </a:r>
             <a:r>
-              <a:rPr lang="en-US" altLang="zh-CN" sz="1100" dirty="0" smtClean="0">
+              <a:rPr lang="en-US" altLang="zh-CN" sz="1100" smtClean="0">
                 <a:solidFill>
                   <a:schemeClr val="tx2">
                     <a:lumMod val="50000"/>
@@ -5995,7 +8435,7 @@
               <a:t> = </a:t>
             </a:r>
             <a:r>
-              <a:rPr lang="en-US" altLang="zh-CN" sz="1100" dirty="0" err="1" smtClean="0">
+              <a:rPr lang="en-US" altLang="zh-CN" sz="1100" err="1" smtClean="0">
                 <a:solidFill>
                   <a:schemeClr val="tx2">
                     <a:lumMod val="50000"/>
@@ -6005,7 +8445,7 @@
               <a:t>RPC.getProxy</a:t>
             </a:r>
             <a:r>
-              <a:rPr lang="en-US" altLang="zh-CN" sz="1100" dirty="0" smtClean="0">
+              <a:rPr lang="en-US" altLang="zh-CN" sz="1100" smtClean="0">
                 <a:solidFill>
                   <a:schemeClr val="tx2">
                     <a:lumMod val="50000"/>
@@ -6021,7 +8461,7 @@
               <a:buChar char="•"/>
             </a:pPr>
             <a:r>
-              <a:rPr lang="zh-CN" altLang="en-US" sz="1100" dirty="0" smtClean="0">
+              <a:rPr lang="zh-CN" altLang="en-US" sz="1100" smtClean="0">
                 <a:solidFill>
                   <a:schemeClr val="tx2">
                     <a:lumMod val="50000"/>
@@ -6030,7 +8470,7 @@
               </a:rPr>
               <a:t>建立服务器端连接</a:t>
             </a:r>
-            <a:endParaRPr lang="en-US" altLang="zh-CN" sz="1100" dirty="0" smtClean="0">
+            <a:endParaRPr lang="en-US" altLang="zh-CN" sz="1100" smtClean="0">
               <a:solidFill>
                 <a:schemeClr val="tx2">
                   <a:lumMod val="50000"/>
@@ -6044,7 +8484,7 @@
               <a:buChar char="•"/>
             </a:pPr>
             <a:r>
-              <a:rPr lang="zh-CN" altLang="en-US" sz="1100" dirty="0" smtClean="0">
+              <a:rPr lang="zh-CN" altLang="en-US" sz="1100" smtClean="0">
                 <a:solidFill>
                   <a:schemeClr val="tx2">
                     <a:lumMod val="50000"/>
@@ -6054,7 +8494,7 @@
               <a:t>返回一个</a:t>
             </a:r>
             <a:r>
-              <a:rPr lang="en-US" altLang="zh-CN" sz="1100" dirty="0" err="1" smtClean="0">
+              <a:rPr lang="en-US" altLang="zh-CN" sz="1100" err="1" smtClean="0">
                 <a:solidFill>
                   <a:schemeClr val="tx2">
                     <a:lumMod val="50000"/>
@@ -6064,7 +8504,7 @@
               <a:t>protocolPB</a:t>
             </a:r>
             <a:r>
-              <a:rPr lang="zh-CN" altLang="en-US" sz="1100" dirty="0" smtClean="0">
+              <a:rPr lang="zh-CN" altLang="en-US" sz="1100" smtClean="0">
                 <a:solidFill>
                   <a:schemeClr val="tx2">
                     <a:lumMod val="50000"/>
@@ -6073,7 +8513,7 @@
               </a:rPr>
               <a:t>在本地的引用，这样就可以像是使用本地方法一样使用</a:t>
             </a:r>
-            <a:endParaRPr lang="en-US" altLang="zh-CN" sz="1100" dirty="0" smtClean="0">
+            <a:endParaRPr lang="en-US" altLang="zh-CN" sz="1100" smtClean="0">
               <a:solidFill>
                 <a:schemeClr val="tx2">
                   <a:lumMod val="50000"/>
@@ -6125,7 +8565,7 @@
               </a:spcAft>
             </a:pPr>
             <a:r>
-              <a:rPr lang="en-US" altLang="zh-CN" sz="1100" dirty="0" err="1" smtClean="0">
+              <a:rPr lang="en-US" altLang="zh-CN" sz="1100" err="1" smtClean="0">
                 <a:solidFill>
                   <a:schemeClr val="tx2">
                     <a:lumMod val="50000"/>
@@ -6136,7 +8576,7 @@
               <a:t>QJournalProtocolTranslatorPB</a:t>
             </a:r>
             <a:r>
-              <a:rPr lang="en-US" altLang="zh-CN" sz="1100" dirty="0" smtClean="0">
+              <a:rPr lang="en-US" altLang="zh-CN" sz="1100" smtClean="0">
                 <a:solidFill>
                   <a:schemeClr val="tx2">
                     <a:lumMod val="50000"/>
@@ -6149,7 +8589,7 @@
           </a:p>
           <a:p>
             <a:r>
-              <a:rPr lang="en-US" altLang="zh-CN" sz="1100" dirty="0" smtClean="0">
+              <a:rPr lang="en-US" altLang="zh-CN" sz="1100" smtClean="0">
                 <a:solidFill>
                   <a:schemeClr val="tx2">
                     <a:lumMod val="50000"/>
@@ -6159,7 +8599,7 @@
               <a:t>new </a:t>
             </a:r>
             <a:r>
-              <a:rPr lang="en-US" altLang="zh-CN" sz="1100" dirty="0" err="1" smtClean="0">
+              <a:rPr lang="en-US" altLang="zh-CN" sz="1100" err="1" smtClean="0">
                 <a:solidFill>
                   <a:schemeClr val="tx2">
                     <a:lumMod val="50000"/>
@@ -6169,7 +8609,7 @@
               <a:t>QJournalProtocolTranslatorPB</a:t>
             </a:r>
             <a:r>
-              <a:rPr lang="en-US" altLang="zh-CN" sz="1100" dirty="0" smtClean="0">
+              <a:rPr lang="en-US" altLang="zh-CN" sz="1100" smtClean="0">
                 <a:solidFill>
                   <a:schemeClr val="tx2">
                     <a:lumMod val="50000"/>
@@ -6179,7 +8619,7 @@
               <a:t>(</a:t>
             </a:r>
             <a:r>
-              <a:rPr lang="en-US" altLang="zh-CN" sz="1100" dirty="0" err="1" smtClean="0">
+              <a:rPr lang="en-US" altLang="zh-CN" sz="1100" err="1" smtClean="0">
                 <a:solidFill>
                   <a:schemeClr val="tx2">
                     <a:lumMod val="50000"/>
@@ -6189,7 +8629,7 @@
               <a:t>pbproxy</a:t>
             </a:r>
             <a:r>
-              <a:rPr lang="en-US" altLang="zh-CN" sz="1100" dirty="0" smtClean="0">
+              <a:rPr lang="en-US" altLang="zh-CN" sz="1100" smtClean="0">
                 <a:solidFill>
                   <a:schemeClr val="tx2">
                     <a:lumMod val="50000"/>
@@ -6205,7 +8645,7 @@
               <a:buChar char="•"/>
             </a:pPr>
             <a:r>
-              <a:rPr lang="zh-CN" altLang="en-US" sz="1100" dirty="0" smtClean="0">
+              <a:rPr lang="zh-CN" altLang="en-US" sz="1100" smtClean="0">
                 <a:solidFill>
                   <a:schemeClr val="tx2">
                     <a:lumMod val="50000"/>
@@ -6214,7 +8654,7 @@
               </a:rPr>
               <a:t>有了引用，还需要对方法入参和初参进行序列化和反序列化</a:t>
             </a:r>
-            <a:endParaRPr lang="en-US" altLang="zh-CN" sz="1100" dirty="0" smtClean="0">
+            <a:endParaRPr lang="en-US" altLang="zh-CN" sz="1100" smtClean="0">
               <a:solidFill>
                 <a:schemeClr val="tx2">
                   <a:lumMod val="50000"/>
@@ -6228,7 +8668,7 @@
               <a:buChar char="•"/>
             </a:pPr>
             <a:r>
-              <a:rPr lang="en-US" altLang="zh-CN" sz="1100" dirty="0" err="1" smtClean="0">
+              <a:rPr lang="en-US" altLang="zh-CN" sz="1100" err="1" smtClean="0">
                 <a:solidFill>
                   <a:schemeClr val="tx2">
                     <a:lumMod val="50000"/>
@@ -6238,7 +8678,7 @@
               <a:t>hadoop</a:t>
             </a:r>
             <a:r>
-              <a:rPr lang="zh-CN" altLang="en-US" sz="1100" dirty="0" smtClean="0">
+              <a:rPr lang="zh-CN" altLang="en-US" sz="1100" smtClean="0">
                 <a:solidFill>
                   <a:schemeClr val="tx2">
                     <a:lumMod val="50000"/>
@@ -6247,7 +8687,7 @@
               </a:rPr>
               <a:t>这里还包含了一他的业务逻辑判断</a:t>
             </a:r>
-            <a:endParaRPr lang="en-US" altLang="zh-CN" sz="1100" dirty="0" smtClean="0">
+            <a:endParaRPr lang="en-US" altLang="zh-CN" sz="1100" smtClean="0">
               <a:solidFill>
                 <a:schemeClr val="tx2">
                   <a:lumMod val="50000"/>
@@ -6265,7 +8705,7 @@
               </a:spcAft>
             </a:pPr>
             <a:r>
-              <a:rPr lang="en-US" altLang="zh-CN" sz="1100" dirty="0" smtClean="0">
+              <a:rPr lang="en-US" altLang="zh-CN" sz="1100" smtClean="0">
                 <a:solidFill>
                   <a:schemeClr val="tx2">
                     <a:lumMod val="50000"/>
@@ -6275,7 +8715,7 @@
               </a:rPr>
               <a:t> </a:t>
             </a:r>
-            <a:endParaRPr kumimoji="0" lang="zh-CN" altLang="zh-CN" sz="1100" i="0" u="none" strike="noStrike" cap="none" normalizeH="0" baseline="0" dirty="0" smtClean="0">
+            <a:endParaRPr kumimoji="0" lang="zh-CN" altLang="zh-CN" sz="1100" i="0" u="none" strike="noStrike" cap="none" normalizeH="0" baseline="0" smtClean="0">
               <a:ln>
                 <a:noFill/>
               </a:ln>
@@ -6369,7 +8809,7 @@
               </a:spcAft>
             </a:pPr>
             <a:r>
-              <a:rPr lang="en-US" altLang="zh-CN" sz="1100" dirty="0" err="1" smtClean="0">
+              <a:rPr lang="en-US" altLang="zh-CN" sz="1100" err="1" smtClean="0">
                 <a:solidFill>
                   <a:schemeClr val="tx2">
                     <a:lumMod val="50000"/>
@@ -6379,7 +8819,7 @@
               <a:t>QJournalProtocolServerSideTranslatorPB</a:t>
             </a:r>
             <a:r>
-              <a:rPr lang="en-US" altLang="zh-CN" sz="1100" dirty="0" smtClean="0">
+              <a:rPr lang="en-US" altLang="zh-CN" sz="1100" smtClean="0">
                 <a:solidFill>
                   <a:schemeClr val="tx2">
                     <a:lumMod val="50000"/>
@@ -6389,7 +8829,7 @@
               <a:t> : </a:t>
             </a:r>
             <a:r>
-              <a:rPr lang="zh-CN" altLang="en-US" sz="1100" dirty="0" smtClean="0">
+              <a:rPr lang="zh-CN" altLang="en-US" sz="1100" smtClean="0">
                 <a:solidFill>
                   <a:schemeClr val="tx2">
                     <a:lumMod val="50000"/>
@@ -6399,7 +8839,7 @@
               <a:t>校验必要的入参和初参，后调用</a:t>
             </a:r>
             <a:r>
-              <a:rPr lang="en-US" altLang="zh-CN" sz="1100" dirty="0" err="1" smtClean="0">
+              <a:rPr lang="en-US" altLang="zh-CN" sz="1100" err="1" smtClean="0">
                 <a:solidFill>
                   <a:schemeClr val="tx2">
                     <a:lumMod val="50000"/>
@@ -6409,7 +8849,7 @@
               <a:t>serverImpl</a:t>
             </a:r>
             <a:r>
-              <a:rPr lang="zh-CN" altLang="en-US" sz="1100" dirty="0" smtClean="0">
+              <a:rPr lang="zh-CN" altLang="en-US" sz="1100" smtClean="0">
                 <a:solidFill>
                   <a:schemeClr val="tx2">
                     <a:lumMod val="50000"/>
@@ -6419,7 +8859,7 @@
               <a:t>（</a:t>
             </a:r>
             <a:r>
-              <a:rPr lang="zh-CN" altLang="zh-CN" sz="1100" dirty="0" smtClean="0">
+              <a:rPr lang="zh-CN" altLang="zh-CN" sz="1100" smtClean="0">
                 <a:solidFill>
                   <a:schemeClr val="tx2">
                     <a:lumMod val="50000"/>
@@ -6430,7 +8870,7 @@
               <a:t> JournalNodeRpcServer </a:t>
             </a:r>
             <a:r>
-              <a:rPr lang="zh-CN" altLang="en-US" sz="1100" dirty="0" smtClean="0">
+              <a:rPr lang="zh-CN" altLang="en-US" sz="1100" smtClean="0">
                 <a:solidFill>
                   <a:schemeClr val="tx2">
                     <a:lumMod val="50000"/>
@@ -6440,7 +8880,7 @@
               <a:t>）</a:t>
             </a:r>
             <a:r>
-              <a:rPr lang="zh-CN" altLang="en-US" sz="1100" dirty="0">
+              <a:rPr lang="zh-CN" altLang="en-US" sz="1100">
                 <a:solidFill>
                   <a:schemeClr val="tx2">
                     <a:lumMod val="50000"/>
@@ -6449,7 +8889,7 @@
               </a:rPr>
               <a:t>处理</a:t>
             </a:r>
-            <a:endParaRPr kumimoji="0" lang="zh-CN" altLang="zh-CN" sz="1100" i="0" u="none" strike="noStrike" cap="none" normalizeH="0" baseline="0" dirty="0" smtClean="0">
+            <a:endParaRPr kumimoji="0" lang="zh-CN" altLang="zh-CN" sz="1100" i="0" u="none" strike="noStrike" cap="none" normalizeH="0" baseline="0" smtClean="0">
               <a:ln>
                 <a:noFill/>
               </a:ln>

--- a/Hadoop分析-自用.pptx
+++ b/Hadoop分析-自用.pptx
@@ -5,13 +5,14 @@
     <p:sldMasterId id="2147483648" r:id="rId1"/>
   </p:sldMasterIdLst>
   <p:notesMasterIdLst>
-    <p:notesMasterId r:id="rId6"/>
+    <p:notesMasterId r:id="rId7"/>
   </p:notesMasterIdLst>
   <p:sldIdLst>
     <p:sldId id="256" r:id="rId2"/>
-    <p:sldId id="258" r:id="rId3"/>
-    <p:sldId id="259" r:id="rId4"/>
-    <p:sldId id="257" r:id="rId5"/>
+    <p:sldId id="260" r:id="rId3"/>
+    <p:sldId id="258" r:id="rId4"/>
+    <p:sldId id="259" r:id="rId5"/>
+    <p:sldId id="257" r:id="rId6"/>
   </p:sldIdLst>
   <p:sldSz cx="9144000" cy="6858000" type="screen4x3"/>
   <p:notesSz cx="6858000" cy="9144000"/>
@@ -214,7 +215,7 @@
           <a:p>
             <a:fld id="{1A53E47A-06E4-45EF-BD43-8A73516B1619}" type="datetimeFigureOut">
               <a:rPr lang="zh-CN" altLang="en-US" smtClean="0"/>
-              <a:t>2017-10-25</a:t>
+              <a:t>2018-05-24</a:t>
             </a:fld>
             <a:endParaRPr lang="zh-CN" altLang="en-US"/>
           </a:p>
@@ -640,7 +641,7 @@
     </p:spTree>
     <p:extLst>
       <p:ext uri="{BB962C8B-B14F-4D97-AF65-F5344CB8AC3E}">
-        <p14:creationId xmlns:p14="http://schemas.microsoft.com/office/powerpoint/2010/main" val="1007470892"/>
+        <p14:creationId xmlns:p14="http://schemas.microsoft.com/office/powerpoint/2010/main" val="3813178691"/>
       </p:ext>
     </p:extLst>
   </p:cSld>
@@ -724,7 +725,7 @@
     </p:spTree>
     <p:extLst>
       <p:ext uri="{BB962C8B-B14F-4D97-AF65-F5344CB8AC3E}">
-        <p14:creationId xmlns:p14="http://schemas.microsoft.com/office/powerpoint/2010/main" val="3352466921"/>
+        <p14:creationId xmlns:p14="http://schemas.microsoft.com/office/powerpoint/2010/main" val="1007470892"/>
       </p:ext>
     </p:extLst>
   </p:cSld>
@@ -800,6 +801,90 @@
             <a:fld id="{FA5F1EA0-DCB2-4372-9D35-83B7B63C41B7}" type="slidenum">
               <a:rPr lang="zh-CN" altLang="en-US" smtClean="0"/>
               <a:t>4</a:t>
+            </a:fld>
+            <a:endParaRPr lang="zh-CN" altLang="en-US"/>
+          </a:p>
+        </p:txBody>
+      </p:sp>
+    </p:spTree>
+    <p:extLst>
+      <p:ext uri="{BB962C8B-B14F-4D97-AF65-F5344CB8AC3E}">
+        <p14:creationId xmlns:p14="http://schemas.microsoft.com/office/powerpoint/2010/main" val="3352466921"/>
+      </p:ext>
+    </p:extLst>
+  </p:cSld>
+  <p:clrMapOvr>
+    <a:masterClrMapping/>
+  </p:clrMapOvr>
+</p:notes>
+</file>
+
+<file path=ppt/notesSlides/notesSlide5.xml><?xml version="1.0" encoding="utf-8"?>
+<p:notes xmlns:a="http://schemas.openxmlformats.org/drawingml/2006/main" xmlns:r="http://schemas.openxmlformats.org/officeDocument/2006/relationships" xmlns:p="http://schemas.openxmlformats.org/presentationml/2006/main">
+  <p:cSld>
+    <p:spTree>
+      <p:nvGrpSpPr>
+        <p:cNvPr id="1" name=""/>
+        <p:cNvGrpSpPr/>
+        <p:nvPr/>
+      </p:nvGrpSpPr>
+      <p:grpSpPr>
+        <a:xfrm>
+          <a:off x="0" y="0"/>
+          <a:ext cx="0" cy="0"/>
+          <a:chOff x="0" y="0"/>
+          <a:chExt cx="0" cy="0"/>
+        </a:xfrm>
+      </p:grpSpPr>
+      <p:sp>
+        <p:nvSpPr>
+          <p:cNvPr id="2" name="幻灯片图像占位符 1"/>
+          <p:cNvSpPr>
+            <a:spLocks noGrp="1" noRot="1" noChangeAspect="1"/>
+          </p:cNvSpPr>
+          <p:nvPr>
+            <p:ph type="sldImg"/>
+          </p:nvPr>
+        </p:nvSpPr>
+        <p:spPr/>
+      </p:sp>
+      <p:sp>
+        <p:nvSpPr>
+          <p:cNvPr id="3" name="备注占位符 2"/>
+          <p:cNvSpPr>
+            <a:spLocks noGrp="1"/>
+          </p:cNvSpPr>
+          <p:nvPr>
+            <p:ph type="body" idx="1"/>
+          </p:nvPr>
+        </p:nvSpPr>
+        <p:spPr/>
+        <p:txBody>
+          <a:bodyPr/>
+          <a:lstStyle/>
+          <a:p>
+            <a:endParaRPr lang="zh-CN" altLang="en-US"/>
+          </a:p>
+        </p:txBody>
+      </p:sp>
+      <p:sp>
+        <p:nvSpPr>
+          <p:cNvPr id="4" name="灯片编号占位符 3"/>
+          <p:cNvSpPr>
+            <a:spLocks noGrp="1"/>
+          </p:cNvSpPr>
+          <p:nvPr>
+            <p:ph type="sldNum" sz="quarter" idx="10"/>
+          </p:nvPr>
+        </p:nvSpPr>
+        <p:spPr/>
+        <p:txBody>
+          <a:bodyPr/>
+          <a:lstStyle/>
+          <a:p>
+            <a:fld id="{FA5F1EA0-DCB2-4372-9D35-83B7B63C41B7}" type="slidenum">
+              <a:rPr lang="zh-CN" altLang="en-US" smtClean="0"/>
+              <a:t>5</a:t>
             </a:fld>
             <a:endParaRPr lang="zh-CN" altLang="en-US"/>
           </a:p>
@@ -999,7 +1084,7 @@
           <a:p>
             <a:fld id="{B72458C5-0A22-44BF-B7D8-24167D6EADC7}" type="datetimeFigureOut">
               <a:rPr lang="zh-CN" altLang="en-US" smtClean="0"/>
-              <a:t>2017-10-25</a:t>
+              <a:t>2018-05-24</a:t>
             </a:fld>
             <a:endParaRPr lang="zh-CN" altLang="en-US"/>
           </a:p>
@@ -1169,7 +1254,7 @@
           <a:p>
             <a:fld id="{B72458C5-0A22-44BF-B7D8-24167D6EADC7}" type="datetimeFigureOut">
               <a:rPr lang="zh-CN" altLang="en-US" smtClean="0"/>
-              <a:t>2017-10-25</a:t>
+              <a:t>2018-05-24</a:t>
             </a:fld>
             <a:endParaRPr lang="zh-CN" altLang="en-US"/>
           </a:p>
@@ -1349,7 +1434,7 @@
           <a:p>
             <a:fld id="{B72458C5-0A22-44BF-B7D8-24167D6EADC7}" type="datetimeFigureOut">
               <a:rPr lang="zh-CN" altLang="en-US" smtClean="0"/>
-              <a:t>2017-10-25</a:t>
+              <a:t>2018-05-24</a:t>
             </a:fld>
             <a:endParaRPr lang="zh-CN" altLang="en-US"/>
           </a:p>
@@ -1519,7 +1604,7 @@
           <a:p>
             <a:fld id="{B72458C5-0A22-44BF-B7D8-24167D6EADC7}" type="datetimeFigureOut">
               <a:rPr lang="zh-CN" altLang="en-US" smtClean="0"/>
-              <a:t>2017-10-25</a:t>
+              <a:t>2018-05-24</a:t>
             </a:fld>
             <a:endParaRPr lang="zh-CN" altLang="en-US"/>
           </a:p>
@@ -1765,7 +1850,7 @@
           <a:p>
             <a:fld id="{B72458C5-0A22-44BF-B7D8-24167D6EADC7}" type="datetimeFigureOut">
               <a:rPr lang="zh-CN" altLang="en-US" smtClean="0"/>
-              <a:t>2017-10-25</a:t>
+              <a:t>2018-05-24</a:t>
             </a:fld>
             <a:endParaRPr lang="zh-CN" altLang="en-US"/>
           </a:p>
@@ -2053,7 +2138,7 @@
           <a:p>
             <a:fld id="{B72458C5-0A22-44BF-B7D8-24167D6EADC7}" type="datetimeFigureOut">
               <a:rPr lang="zh-CN" altLang="en-US" smtClean="0"/>
-              <a:t>2017-10-25</a:t>
+              <a:t>2018-05-24</a:t>
             </a:fld>
             <a:endParaRPr lang="zh-CN" altLang="en-US"/>
           </a:p>
@@ -2475,7 +2560,7 @@
           <a:p>
             <a:fld id="{B72458C5-0A22-44BF-B7D8-24167D6EADC7}" type="datetimeFigureOut">
               <a:rPr lang="zh-CN" altLang="en-US" smtClean="0"/>
-              <a:t>2017-10-25</a:t>
+              <a:t>2018-05-24</a:t>
             </a:fld>
             <a:endParaRPr lang="zh-CN" altLang="en-US"/>
           </a:p>
@@ -2593,7 +2678,7 @@
           <a:p>
             <a:fld id="{B72458C5-0A22-44BF-B7D8-24167D6EADC7}" type="datetimeFigureOut">
               <a:rPr lang="zh-CN" altLang="en-US" smtClean="0"/>
-              <a:t>2017-10-25</a:t>
+              <a:t>2018-05-24</a:t>
             </a:fld>
             <a:endParaRPr lang="zh-CN" altLang="en-US"/>
           </a:p>
@@ -2688,7 +2773,7 @@
           <a:p>
             <a:fld id="{B72458C5-0A22-44BF-B7D8-24167D6EADC7}" type="datetimeFigureOut">
               <a:rPr lang="zh-CN" altLang="en-US" smtClean="0"/>
-              <a:t>2017-10-25</a:t>
+              <a:t>2018-05-24</a:t>
             </a:fld>
             <a:endParaRPr lang="zh-CN" altLang="en-US"/>
           </a:p>
@@ -2965,7 +3050,7 @@
           <a:p>
             <a:fld id="{B72458C5-0A22-44BF-B7D8-24167D6EADC7}" type="datetimeFigureOut">
               <a:rPr lang="zh-CN" altLang="en-US" smtClean="0"/>
-              <a:t>2017-10-25</a:t>
+              <a:t>2018-05-24</a:t>
             </a:fld>
             <a:endParaRPr lang="zh-CN" altLang="en-US"/>
           </a:p>
@@ -3218,7 +3303,7 @@
           <a:p>
             <a:fld id="{B72458C5-0A22-44BF-B7D8-24167D6EADC7}" type="datetimeFigureOut">
               <a:rPr lang="zh-CN" altLang="en-US" smtClean="0"/>
-              <a:t>2017-10-25</a:t>
+              <a:t>2018-05-24</a:t>
             </a:fld>
             <a:endParaRPr lang="zh-CN" altLang="en-US"/>
           </a:p>
@@ -3431,7 +3516,7 @@
           <a:p>
             <a:fld id="{B72458C5-0A22-44BF-B7D8-24167D6EADC7}" type="datetimeFigureOut">
               <a:rPr lang="zh-CN" altLang="en-US" smtClean="0"/>
-              <a:t>2017-10-25</a:t>
+              <a:t>2018-05-24</a:t>
             </a:fld>
             <a:endParaRPr lang="zh-CN" altLang="en-US"/>
           </a:p>
@@ -5539,6 +5624,959 @@
         </p:spPr>
         <p:txBody>
           <a:bodyPr>
+            <a:normAutofit fontScale="90000"/>
+          </a:bodyPr>
+          <a:lstStyle/>
+          <a:p>
+            <a:r>
+              <a:rPr lang="zh-CN" altLang="en-US" smtClean="0"/>
+              <a:t>Hive执行流程</a:t>
+            </a:r>
+            <a:endParaRPr lang="zh-CN" altLang="en-US"/>
+          </a:p>
+        </p:txBody>
+      </p:sp>
+      <p:grpSp>
+        <p:nvGrpSpPr>
+          <p:cNvPr id="51" name="组合 50"/>
+          <p:cNvGrpSpPr/>
+          <p:nvPr/>
+        </p:nvGrpSpPr>
+        <p:grpSpPr>
+          <a:xfrm>
+            <a:off x="827584" y="1556792"/>
+            <a:ext cx="2160240" cy="2304256"/>
+            <a:chOff x="2735796" y="548680"/>
+            <a:chExt cx="2736304" cy="2338143"/>
+          </a:xfrm>
+        </p:grpSpPr>
+        <p:grpSp>
+          <p:nvGrpSpPr>
+            <p:cNvPr id="52" name="组合 51"/>
+            <p:cNvGrpSpPr/>
+            <p:nvPr/>
+          </p:nvGrpSpPr>
+          <p:grpSpPr>
+            <a:xfrm>
+              <a:off x="2735796" y="548680"/>
+              <a:ext cx="2736304" cy="2338143"/>
+              <a:chOff x="1079612" y="1052736"/>
+              <a:chExt cx="2736304" cy="2338143"/>
+            </a:xfrm>
+          </p:grpSpPr>
+          <p:sp>
+            <p:nvSpPr>
+              <p:cNvPr id="56" name="矩形 55"/>
+              <p:cNvSpPr/>
+              <p:nvPr/>
+            </p:nvSpPr>
+            <p:spPr>
+              <a:xfrm>
+                <a:off x="1079612" y="1052736"/>
+                <a:ext cx="2736304" cy="216024"/>
+              </a:xfrm>
+              <a:prstGeom prst="rect">
+                <a:avLst/>
+              </a:prstGeom>
+            </p:spPr>
+            <p:style>
+              <a:lnRef idx="2">
+                <a:schemeClr val="accent4"/>
+              </a:lnRef>
+              <a:fillRef idx="1">
+                <a:schemeClr val="lt1"/>
+              </a:fillRef>
+              <a:effectRef idx="0">
+                <a:schemeClr val="accent4"/>
+              </a:effectRef>
+              <a:fontRef idx="minor">
+                <a:schemeClr val="dk1"/>
+              </a:fontRef>
+            </p:style>
+            <p:txBody>
+              <a:bodyPr rtlCol="0" anchor="ctr"/>
+              <a:lstStyle/>
+              <a:p>
+                <a:pPr algn="ctr"/>
+                <a:r>
+                  <a:rPr lang="en-US" altLang="zh-CN" sz="1200" smtClean="0"/>
+                  <a:t>YarnChild.main:158 -&gt; 163 </a:t>
+                </a:r>
+                <a:r>
+                  <a:rPr lang="en-US" altLang="zh-CN" sz="1200" smtClean="0"/>
+                  <a:t> </a:t>
+                </a:r>
+                <a:endParaRPr lang="zh-CN" altLang="en-US" sz="1200"/>
+              </a:p>
+            </p:txBody>
+          </p:sp>
+          <p:sp>
+            <p:nvSpPr>
+              <p:cNvPr id="57" name="矩形 56"/>
+              <p:cNvSpPr/>
+              <p:nvPr/>
+            </p:nvSpPr>
+            <p:spPr>
+              <a:xfrm>
+                <a:off x="1079612" y="1604797"/>
+                <a:ext cx="2736304" cy="216024"/>
+              </a:xfrm>
+              <a:prstGeom prst="rect">
+                <a:avLst/>
+              </a:prstGeom>
+            </p:spPr>
+            <p:style>
+              <a:lnRef idx="2">
+                <a:schemeClr val="accent4"/>
+              </a:lnRef>
+              <a:fillRef idx="1">
+                <a:schemeClr val="lt1"/>
+              </a:fillRef>
+              <a:effectRef idx="0">
+                <a:schemeClr val="accent4"/>
+              </a:effectRef>
+              <a:fontRef idx="minor">
+                <a:schemeClr val="dk1"/>
+              </a:fontRef>
+            </p:style>
+            <p:txBody>
+              <a:bodyPr rtlCol="0" anchor="ctr"/>
+              <a:lstStyle/>
+              <a:p>
+                <a:pPr algn="ctr"/>
+                <a:r>
+                  <a:rPr lang="en-US" altLang="zh-CN" sz="1200" smtClean="0"/>
+                  <a:t>MapTask.run:341</a:t>
+                </a:r>
+                <a:endParaRPr lang="zh-CN" altLang="en-US" sz="1200"/>
+              </a:p>
+            </p:txBody>
+          </p:sp>
+          <p:sp>
+            <p:nvSpPr>
+              <p:cNvPr id="58" name="矩形 57"/>
+              <p:cNvSpPr/>
+              <p:nvPr/>
+            </p:nvSpPr>
+            <p:spPr>
+              <a:xfrm>
+                <a:off x="1079612" y="2156858"/>
+                <a:ext cx="2736304" cy="216024"/>
+              </a:xfrm>
+              <a:prstGeom prst="rect">
+                <a:avLst/>
+              </a:prstGeom>
+            </p:spPr>
+            <p:style>
+              <a:lnRef idx="2">
+                <a:schemeClr val="accent4"/>
+              </a:lnRef>
+              <a:fillRef idx="1">
+                <a:schemeClr val="lt1"/>
+              </a:fillRef>
+              <a:effectRef idx="0">
+                <a:schemeClr val="accent4"/>
+              </a:effectRef>
+              <a:fontRef idx="minor">
+                <a:schemeClr val="dk1"/>
+              </a:fontRef>
+            </p:style>
+            <p:txBody>
+              <a:bodyPr rtlCol="0" anchor="ctr"/>
+              <a:lstStyle/>
+              <a:p>
+                <a:pPr algn="ctr"/>
+                <a:r>
+                  <a:rPr lang="en-US" altLang="zh-CN" sz="1200" smtClean="0"/>
+                  <a:t>MapTask.runNewMapper:787</a:t>
+                </a:r>
+                <a:endParaRPr lang="zh-CN" altLang="en-US" sz="1200"/>
+              </a:p>
+            </p:txBody>
+          </p:sp>
+          <p:sp>
+            <p:nvSpPr>
+              <p:cNvPr id="59" name="矩形 58"/>
+              <p:cNvSpPr/>
+              <p:nvPr/>
+            </p:nvSpPr>
+            <p:spPr>
+              <a:xfrm>
+                <a:off x="1079612" y="2708920"/>
+                <a:ext cx="2736304" cy="681959"/>
+              </a:xfrm>
+              <a:prstGeom prst="rect">
+                <a:avLst/>
+              </a:prstGeom>
+            </p:spPr>
+            <p:style>
+              <a:lnRef idx="2">
+                <a:schemeClr val="accent4"/>
+              </a:lnRef>
+              <a:fillRef idx="1">
+                <a:schemeClr val="lt1"/>
+              </a:fillRef>
+              <a:effectRef idx="0">
+                <a:schemeClr val="accent4"/>
+              </a:effectRef>
+              <a:fontRef idx="minor">
+                <a:schemeClr val="dk1"/>
+              </a:fontRef>
+            </p:style>
+            <p:txBody>
+              <a:bodyPr rtlCol="0" anchor="ctr"/>
+              <a:lstStyle/>
+              <a:p>
+                <a:pPr algn="ctr"/>
+                <a:r>
+                  <a:rPr lang="en-US" altLang="zh-CN" sz="1200" i="1" smtClean="0"/>
+                  <a:t>Mapper.run:142</a:t>
+                </a:r>
+              </a:p>
+              <a:p>
+                <a:pPr algn="ctr"/>
+                <a:r>
+                  <a:rPr lang="en-US" altLang="zh-CN" sz="1200" i="1"/>
+                  <a:t>s</a:t>
+                </a:r>
+                <a:r>
+                  <a:rPr lang="en-US" altLang="zh-CN" sz="1200" i="1" smtClean="0"/>
+                  <a:t>etup()</a:t>
+                </a:r>
+              </a:p>
+              <a:p>
+                <a:pPr algn="ctr"/>
+                <a:r>
+                  <a:rPr lang="en-US" altLang="zh-CN" sz="1200" i="1" smtClean="0"/>
+                  <a:t>Map()</a:t>
+                </a:r>
+              </a:p>
+              <a:p>
+                <a:pPr algn="ctr"/>
+                <a:r>
+                  <a:rPr lang="en-US" altLang="zh-CN" sz="1200" i="1"/>
+                  <a:t>c</a:t>
+                </a:r>
+                <a:r>
+                  <a:rPr lang="en-US" altLang="zh-CN" sz="1200" i="1" smtClean="0"/>
+                  <a:t>leanup()</a:t>
+                </a:r>
+                <a:endParaRPr lang="zh-CN" altLang="en-US" sz="1200"/>
+              </a:p>
+            </p:txBody>
+          </p:sp>
+        </p:grpSp>
+        <p:cxnSp>
+          <p:nvCxnSpPr>
+            <p:cNvPr id="53" name="直接箭头连接符 52"/>
+            <p:cNvCxnSpPr>
+              <a:stCxn id="56" idx="2"/>
+              <a:endCxn id="57" idx="0"/>
+            </p:cNvCxnSpPr>
+            <p:nvPr/>
+          </p:nvCxnSpPr>
+          <p:spPr>
+            <a:xfrm>
+              <a:off x="4103948" y="764704"/>
+              <a:ext cx="0" cy="336037"/>
+            </a:xfrm>
+            <a:prstGeom prst="straightConnector1">
+              <a:avLst/>
+            </a:prstGeom>
+            <a:ln>
+              <a:tailEnd type="arrow"/>
+            </a:ln>
+          </p:spPr>
+          <p:style>
+            <a:lnRef idx="2">
+              <a:schemeClr val="accent4"/>
+            </a:lnRef>
+            <a:fillRef idx="1">
+              <a:schemeClr val="lt1"/>
+            </a:fillRef>
+            <a:effectRef idx="0">
+              <a:schemeClr val="accent4"/>
+            </a:effectRef>
+            <a:fontRef idx="minor">
+              <a:schemeClr val="dk1"/>
+            </a:fontRef>
+          </p:style>
+        </p:cxnSp>
+        <p:cxnSp>
+          <p:nvCxnSpPr>
+            <p:cNvPr id="54" name="直接箭头连接符 53"/>
+            <p:cNvCxnSpPr>
+              <a:stCxn id="57" idx="2"/>
+              <a:endCxn id="58" idx="0"/>
+            </p:cNvCxnSpPr>
+            <p:nvPr/>
+          </p:nvCxnSpPr>
+          <p:spPr>
+            <a:xfrm>
+              <a:off x="4103948" y="1316765"/>
+              <a:ext cx="0" cy="336037"/>
+            </a:xfrm>
+            <a:prstGeom prst="straightConnector1">
+              <a:avLst/>
+            </a:prstGeom>
+            <a:ln>
+              <a:tailEnd type="arrow"/>
+            </a:ln>
+          </p:spPr>
+          <p:style>
+            <a:lnRef idx="2">
+              <a:schemeClr val="accent4"/>
+            </a:lnRef>
+            <a:fillRef idx="1">
+              <a:schemeClr val="lt1"/>
+            </a:fillRef>
+            <a:effectRef idx="0">
+              <a:schemeClr val="accent4"/>
+            </a:effectRef>
+            <a:fontRef idx="minor">
+              <a:schemeClr val="dk1"/>
+            </a:fontRef>
+          </p:style>
+        </p:cxnSp>
+        <p:cxnSp>
+          <p:nvCxnSpPr>
+            <p:cNvPr id="55" name="直接箭头连接符 54"/>
+            <p:cNvCxnSpPr>
+              <a:stCxn id="58" idx="2"/>
+              <a:endCxn id="59" idx="0"/>
+            </p:cNvCxnSpPr>
+            <p:nvPr/>
+          </p:nvCxnSpPr>
+          <p:spPr>
+            <a:xfrm>
+              <a:off x="4103948" y="1868826"/>
+              <a:ext cx="0" cy="336038"/>
+            </a:xfrm>
+            <a:prstGeom prst="straightConnector1">
+              <a:avLst/>
+            </a:prstGeom>
+            <a:ln>
+              <a:tailEnd type="arrow"/>
+            </a:ln>
+          </p:spPr>
+          <p:style>
+            <a:lnRef idx="2">
+              <a:schemeClr val="accent4"/>
+            </a:lnRef>
+            <a:fillRef idx="1">
+              <a:schemeClr val="lt1"/>
+            </a:fillRef>
+            <a:effectRef idx="0">
+              <a:schemeClr val="accent4"/>
+            </a:effectRef>
+            <a:fontRef idx="minor">
+              <a:schemeClr val="dk1"/>
+            </a:fontRef>
+          </p:style>
+        </p:cxnSp>
+      </p:grpSp>
+      <p:sp>
+        <p:nvSpPr>
+          <p:cNvPr id="83" name="矩形 82"/>
+          <p:cNvSpPr/>
+          <p:nvPr/>
+        </p:nvSpPr>
+        <p:spPr>
+          <a:xfrm>
+            <a:off x="3652918" y="1412776"/>
+            <a:ext cx="2444198" cy="240028"/>
+          </a:xfrm>
+          <a:prstGeom prst="rect">
+            <a:avLst/>
+          </a:prstGeom>
+        </p:spPr>
+        <p:style>
+          <a:lnRef idx="2">
+            <a:schemeClr val="accent4"/>
+          </a:lnRef>
+          <a:fillRef idx="1">
+            <a:schemeClr val="lt1"/>
+          </a:fillRef>
+          <a:effectRef idx="0">
+            <a:schemeClr val="accent4"/>
+          </a:effectRef>
+          <a:fontRef idx="minor">
+            <a:schemeClr val="dk1"/>
+          </a:fontRef>
+        </p:style>
+        <p:txBody>
+          <a:bodyPr rtlCol="0" anchor="ctr"/>
+          <a:lstStyle/>
+          <a:p>
+            <a:pPr algn="ctr"/>
+            <a:r>
+              <a:rPr lang="en-US" altLang="zh-CN" sz="1200" smtClean="0"/>
+              <a:t>YarnChild.main:158 -&gt; 163 </a:t>
+            </a:r>
+            <a:r>
+              <a:rPr lang="en-US" altLang="zh-CN" sz="1200" smtClean="0"/>
+              <a:t> </a:t>
+            </a:r>
+            <a:endParaRPr lang="zh-CN" altLang="en-US" sz="1200"/>
+          </a:p>
+        </p:txBody>
+      </p:sp>
+      <p:sp>
+        <p:nvSpPr>
+          <p:cNvPr id="84" name="矩形 83"/>
+          <p:cNvSpPr/>
+          <p:nvPr/>
+        </p:nvSpPr>
+        <p:spPr>
+          <a:xfrm>
+            <a:off x="3652918" y="1956836"/>
+            <a:ext cx="2444198" cy="240028"/>
+          </a:xfrm>
+          <a:prstGeom prst="rect">
+            <a:avLst/>
+          </a:prstGeom>
+        </p:spPr>
+        <p:style>
+          <a:lnRef idx="2">
+            <a:schemeClr val="accent4"/>
+          </a:lnRef>
+          <a:fillRef idx="1">
+            <a:schemeClr val="lt1"/>
+          </a:fillRef>
+          <a:effectRef idx="0">
+            <a:schemeClr val="accent4"/>
+          </a:effectRef>
+          <a:fontRef idx="minor">
+            <a:schemeClr val="dk1"/>
+          </a:fontRef>
+        </p:style>
+        <p:txBody>
+          <a:bodyPr rtlCol="0" anchor="ctr"/>
+          <a:lstStyle/>
+          <a:p>
+            <a:pPr algn="ctr"/>
+            <a:r>
+              <a:rPr lang="en-US" altLang="zh-CN" sz="1200" smtClean="0"/>
+              <a:t>MapTask.run:341</a:t>
+            </a:r>
+            <a:endParaRPr lang="zh-CN" altLang="en-US" sz="1200"/>
+          </a:p>
+        </p:txBody>
+      </p:sp>
+      <p:sp>
+        <p:nvSpPr>
+          <p:cNvPr id="85" name="矩形 84"/>
+          <p:cNvSpPr/>
+          <p:nvPr/>
+        </p:nvSpPr>
+        <p:spPr>
+          <a:xfrm>
+            <a:off x="3652918" y="2500896"/>
+            <a:ext cx="2444198" cy="240028"/>
+          </a:xfrm>
+          <a:prstGeom prst="rect">
+            <a:avLst/>
+          </a:prstGeom>
+        </p:spPr>
+        <p:style>
+          <a:lnRef idx="2">
+            <a:schemeClr val="accent4"/>
+          </a:lnRef>
+          <a:fillRef idx="1">
+            <a:schemeClr val="lt1"/>
+          </a:fillRef>
+          <a:effectRef idx="0">
+            <a:schemeClr val="accent4"/>
+          </a:effectRef>
+          <a:fontRef idx="minor">
+            <a:schemeClr val="dk1"/>
+          </a:fontRef>
+        </p:style>
+        <p:txBody>
+          <a:bodyPr rtlCol="0" anchor="ctr"/>
+          <a:lstStyle/>
+          <a:p>
+            <a:pPr algn="ctr"/>
+            <a:r>
+              <a:rPr lang="en-US" altLang="zh-CN" sz="1200" smtClean="0"/>
+              <a:t>MapTask.runOldMapper:449</a:t>
+            </a:r>
+            <a:endParaRPr lang="zh-CN" altLang="en-US" sz="1200"/>
+          </a:p>
+        </p:txBody>
+      </p:sp>
+      <p:cxnSp>
+        <p:nvCxnSpPr>
+          <p:cNvPr id="80" name="直接箭头连接符 79"/>
+          <p:cNvCxnSpPr/>
+          <p:nvPr/>
+        </p:nvCxnSpPr>
+        <p:spPr>
+          <a:xfrm>
+            <a:off x="4875017" y="1652804"/>
+            <a:ext cx="0" cy="304032"/>
+          </a:xfrm>
+          <a:prstGeom prst="straightConnector1">
+            <a:avLst/>
+          </a:prstGeom>
+          <a:ln>
+            <a:tailEnd type="arrow"/>
+          </a:ln>
+        </p:spPr>
+        <p:style>
+          <a:lnRef idx="2">
+            <a:schemeClr val="accent4"/>
+          </a:lnRef>
+          <a:fillRef idx="1">
+            <a:schemeClr val="lt1"/>
+          </a:fillRef>
+          <a:effectRef idx="0">
+            <a:schemeClr val="accent4"/>
+          </a:effectRef>
+          <a:fontRef idx="minor">
+            <a:schemeClr val="dk1"/>
+          </a:fontRef>
+        </p:style>
+      </p:cxnSp>
+      <p:cxnSp>
+        <p:nvCxnSpPr>
+          <p:cNvPr id="81" name="直接箭头连接符 80"/>
+          <p:cNvCxnSpPr/>
+          <p:nvPr/>
+        </p:nvCxnSpPr>
+        <p:spPr>
+          <a:xfrm>
+            <a:off x="4875017" y="2196864"/>
+            <a:ext cx="0" cy="304032"/>
+          </a:xfrm>
+          <a:prstGeom prst="straightConnector1">
+            <a:avLst/>
+          </a:prstGeom>
+          <a:ln>
+            <a:tailEnd type="arrow"/>
+          </a:ln>
+        </p:spPr>
+        <p:style>
+          <a:lnRef idx="2">
+            <a:schemeClr val="accent4"/>
+          </a:lnRef>
+          <a:fillRef idx="1">
+            <a:schemeClr val="lt1"/>
+          </a:fillRef>
+          <a:effectRef idx="0">
+            <a:schemeClr val="accent4"/>
+          </a:effectRef>
+          <a:fontRef idx="minor">
+            <a:schemeClr val="dk1"/>
+          </a:fontRef>
+        </p:style>
+      </p:cxnSp>
+      <p:cxnSp>
+        <p:nvCxnSpPr>
+          <p:cNvPr id="82" name="直接箭头连接符 81"/>
+          <p:cNvCxnSpPr/>
+          <p:nvPr/>
+        </p:nvCxnSpPr>
+        <p:spPr>
+          <a:xfrm flipH="1">
+            <a:off x="4868543" y="2740924"/>
+            <a:ext cx="12948" cy="304032"/>
+          </a:xfrm>
+          <a:prstGeom prst="straightConnector1">
+            <a:avLst/>
+          </a:prstGeom>
+          <a:ln>
+            <a:tailEnd type="arrow"/>
+          </a:ln>
+        </p:spPr>
+        <p:style>
+          <a:lnRef idx="2">
+            <a:schemeClr val="accent4"/>
+          </a:lnRef>
+          <a:fillRef idx="1">
+            <a:schemeClr val="lt1"/>
+          </a:fillRef>
+          <a:effectRef idx="0">
+            <a:schemeClr val="accent4"/>
+          </a:effectRef>
+          <a:fontRef idx="minor">
+            <a:schemeClr val="dk1"/>
+          </a:fontRef>
+        </p:style>
+      </p:cxnSp>
+      <p:sp>
+        <p:nvSpPr>
+          <p:cNvPr id="87" name="矩形 86"/>
+          <p:cNvSpPr/>
+          <p:nvPr/>
+        </p:nvSpPr>
+        <p:spPr>
+          <a:xfrm>
+            <a:off x="3652918" y="3044956"/>
+            <a:ext cx="2444198" cy="1032116"/>
+          </a:xfrm>
+          <a:prstGeom prst="rect">
+            <a:avLst/>
+          </a:prstGeom>
+        </p:spPr>
+        <p:style>
+          <a:lnRef idx="2">
+            <a:schemeClr val="accent4"/>
+          </a:lnRef>
+          <a:fillRef idx="1">
+            <a:schemeClr val="lt1"/>
+          </a:fillRef>
+          <a:effectRef idx="0">
+            <a:schemeClr val="accent4"/>
+          </a:effectRef>
+          <a:fontRef idx="minor">
+            <a:schemeClr val="dk1"/>
+          </a:fontRef>
+        </p:style>
+        <p:txBody>
+          <a:bodyPr rtlCol="0" anchor="ctr"/>
+          <a:lstStyle/>
+          <a:p>
+            <a:pPr algn="ctr"/>
+            <a:r>
+              <a:rPr lang="en-US" altLang="zh-CN" sz="1200" smtClean="0"/>
+              <a:t>ReflectionUtils.newInstance:133</a:t>
+            </a:r>
+          </a:p>
+          <a:p>
+            <a:pPr algn="ctr"/>
+            <a:r>
+              <a:rPr lang="zh-CN" altLang="en-US" sz="1200" smtClean="0"/>
+              <a:t>在反射生成实例时，如果对象为</a:t>
+            </a:r>
+            <a:r>
+              <a:rPr lang="en-US" altLang="zh-CN" sz="1200" smtClean="0"/>
+              <a:t>mapred</a:t>
+            </a:r>
+            <a:r>
+              <a:rPr lang="en-US" altLang="zh-CN" sz="1200"/>
+              <a:t>.</a:t>
+            </a:r>
+            <a:r>
+              <a:rPr lang="en-US" altLang="zh-CN" sz="1200" smtClean="0"/>
+              <a:t>JobConfigurable</a:t>
+            </a:r>
+            <a:r>
+              <a:rPr lang="zh-CN" altLang="en-US" sz="1200" smtClean="0"/>
+              <a:t>子类，且</a:t>
+            </a:r>
+            <a:r>
+              <a:rPr lang="en-US" altLang="zh-CN" sz="1200" smtClean="0"/>
+              <a:t>conf</a:t>
+            </a:r>
+            <a:r>
+              <a:rPr lang="zh-CN" altLang="en-US" sz="1200" smtClean="0"/>
+              <a:t>对象为</a:t>
+            </a:r>
+            <a:r>
+              <a:rPr lang="en-US" altLang="zh-CN" sz="1200" smtClean="0"/>
+              <a:t>mapred.JobConf</a:t>
+            </a:r>
+            <a:r>
+              <a:rPr lang="zh-CN" altLang="en-US" sz="1200" smtClean="0"/>
+              <a:t>子类，则执行</a:t>
+            </a:r>
+            <a:r>
+              <a:rPr lang="en-US" altLang="zh-CN" sz="1200" smtClean="0"/>
+              <a:t>configure</a:t>
+            </a:r>
+            <a:r>
+              <a:rPr lang="zh-CN" altLang="en-US" sz="1200" smtClean="0"/>
+              <a:t>方法</a:t>
+            </a:r>
+            <a:endParaRPr lang="zh-CN" altLang="en-US" sz="1200"/>
+          </a:p>
+        </p:txBody>
+      </p:sp>
+      <p:sp>
+        <p:nvSpPr>
+          <p:cNvPr id="89" name="矩形 88"/>
+          <p:cNvSpPr/>
+          <p:nvPr/>
+        </p:nvSpPr>
+        <p:spPr>
+          <a:xfrm>
+            <a:off x="3652918" y="4882879"/>
+            <a:ext cx="2444198" cy="240028"/>
+          </a:xfrm>
+          <a:prstGeom prst="rect">
+            <a:avLst/>
+          </a:prstGeom>
+        </p:spPr>
+        <p:style>
+          <a:lnRef idx="2">
+            <a:schemeClr val="accent4"/>
+          </a:lnRef>
+          <a:fillRef idx="1">
+            <a:schemeClr val="lt1"/>
+          </a:fillRef>
+          <a:effectRef idx="0">
+            <a:schemeClr val="accent4"/>
+          </a:effectRef>
+          <a:fontRef idx="minor">
+            <a:schemeClr val="dk1"/>
+          </a:fontRef>
+        </p:style>
+        <p:txBody>
+          <a:bodyPr rtlCol="0" anchor="ctr"/>
+          <a:lstStyle/>
+          <a:p>
+            <a:pPr algn="ctr"/>
+            <a:r>
+              <a:rPr lang="en-US" altLang="zh-CN" sz="1200" smtClean="0"/>
+              <a:t>MapRunner.run:61</a:t>
+            </a:r>
+            <a:endParaRPr lang="zh-CN" altLang="en-US" sz="1200"/>
+          </a:p>
+        </p:txBody>
+      </p:sp>
+      <p:cxnSp>
+        <p:nvCxnSpPr>
+          <p:cNvPr id="90" name="直接箭头连接符 89"/>
+          <p:cNvCxnSpPr/>
+          <p:nvPr/>
+        </p:nvCxnSpPr>
+        <p:spPr>
+          <a:xfrm>
+            <a:off x="4868543" y="5122907"/>
+            <a:ext cx="12948" cy="254861"/>
+          </a:xfrm>
+          <a:prstGeom prst="straightConnector1">
+            <a:avLst/>
+          </a:prstGeom>
+          <a:ln>
+            <a:tailEnd type="arrow"/>
+          </a:ln>
+        </p:spPr>
+        <p:style>
+          <a:lnRef idx="2">
+            <a:schemeClr val="accent4"/>
+          </a:lnRef>
+          <a:fillRef idx="1">
+            <a:schemeClr val="lt1"/>
+          </a:fillRef>
+          <a:effectRef idx="0">
+            <a:schemeClr val="accent4"/>
+          </a:effectRef>
+          <a:fontRef idx="minor">
+            <a:schemeClr val="dk1"/>
+          </a:fontRef>
+        </p:style>
+      </p:cxnSp>
+      <p:sp>
+        <p:nvSpPr>
+          <p:cNvPr id="91" name="矩形 90"/>
+          <p:cNvSpPr/>
+          <p:nvPr/>
+        </p:nvSpPr>
+        <p:spPr>
+          <a:xfrm>
+            <a:off x="3652918" y="4338819"/>
+            <a:ext cx="2444198" cy="240028"/>
+          </a:xfrm>
+          <a:prstGeom prst="rect">
+            <a:avLst/>
+          </a:prstGeom>
+        </p:spPr>
+        <p:style>
+          <a:lnRef idx="2">
+            <a:schemeClr val="accent4"/>
+          </a:lnRef>
+          <a:fillRef idx="1">
+            <a:schemeClr val="lt1"/>
+          </a:fillRef>
+          <a:effectRef idx="0">
+            <a:schemeClr val="accent4"/>
+          </a:effectRef>
+          <a:fontRef idx="minor">
+            <a:schemeClr val="dk1"/>
+          </a:fontRef>
+        </p:style>
+        <p:txBody>
+          <a:bodyPr rtlCol="0" anchor="ctr"/>
+          <a:lstStyle/>
+          <a:p>
+            <a:pPr algn="ctr"/>
+            <a:r>
+              <a:rPr lang="en-US" altLang="zh-CN" sz="1200" smtClean="0"/>
+              <a:t>MapTask.runOldMapper:453</a:t>
+            </a:r>
+            <a:endParaRPr lang="zh-CN" altLang="en-US" sz="1200"/>
+          </a:p>
+        </p:txBody>
+      </p:sp>
+      <p:cxnSp>
+        <p:nvCxnSpPr>
+          <p:cNvPr id="92" name="直接箭头连接符 91"/>
+          <p:cNvCxnSpPr/>
+          <p:nvPr/>
+        </p:nvCxnSpPr>
+        <p:spPr>
+          <a:xfrm>
+            <a:off x="4875017" y="4578847"/>
+            <a:ext cx="0" cy="304032"/>
+          </a:xfrm>
+          <a:prstGeom prst="straightConnector1">
+            <a:avLst/>
+          </a:prstGeom>
+          <a:ln>
+            <a:tailEnd type="arrow"/>
+          </a:ln>
+        </p:spPr>
+        <p:style>
+          <a:lnRef idx="2">
+            <a:schemeClr val="accent4"/>
+          </a:lnRef>
+          <a:fillRef idx="1">
+            <a:schemeClr val="lt1"/>
+          </a:fillRef>
+          <a:effectRef idx="0">
+            <a:schemeClr val="accent4"/>
+          </a:effectRef>
+          <a:fontRef idx="minor">
+            <a:schemeClr val="dk1"/>
+          </a:fontRef>
+        </p:style>
+      </p:cxnSp>
+      <p:sp>
+        <p:nvSpPr>
+          <p:cNvPr id="93" name="矩形 92"/>
+          <p:cNvSpPr/>
+          <p:nvPr/>
+        </p:nvSpPr>
+        <p:spPr>
+          <a:xfrm>
+            <a:off x="3652918" y="5377768"/>
+            <a:ext cx="2444198" cy="240028"/>
+          </a:xfrm>
+          <a:prstGeom prst="rect">
+            <a:avLst/>
+          </a:prstGeom>
+        </p:spPr>
+        <p:style>
+          <a:lnRef idx="2">
+            <a:schemeClr val="accent4"/>
+          </a:lnRef>
+          <a:fillRef idx="1">
+            <a:schemeClr val="lt1"/>
+          </a:fillRef>
+          <a:effectRef idx="0">
+            <a:schemeClr val="accent4"/>
+          </a:effectRef>
+          <a:fontRef idx="minor">
+            <a:schemeClr val="dk1"/>
+          </a:fontRef>
+        </p:style>
+        <p:txBody>
+          <a:bodyPr rtlCol="0" anchor="ctr"/>
+          <a:lstStyle/>
+          <a:p>
+            <a:pPr algn="ctr"/>
+            <a:r>
+              <a:rPr lang="en-US" altLang="zh-CN" sz="1200" smtClean="0"/>
+              <a:t>(MapClass)</a:t>
+            </a:r>
+            <a:r>
+              <a:rPr lang="en-US" altLang="zh-CN" sz="1200" smtClean="0"/>
+              <a:t>.close()</a:t>
+            </a:r>
+            <a:endParaRPr lang="zh-CN" altLang="en-US" sz="1200"/>
+          </a:p>
+        </p:txBody>
+      </p:sp>
+      <p:cxnSp>
+        <p:nvCxnSpPr>
+          <p:cNvPr id="94" name="直接箭头连接符 93"/>
+          <p:cNvCxnSpPr/>
+          <p:nvPr/>
+        </p:nvCxnSpPr>
+        <p:spPr>
+          <a:xfrm>
+            <a:off x="4875017" y="4077072"/>
+            <a:ext cx="0" cy="261747"/>
+          </a:xfrm>
+          <a:prstGeom prst="straightConnector1">
+            <a:avLst/>
+          </a:prstGeom>
+          <a:ln>
+            <a:tailEnd type="arrow"/>
+          </a:ln>
+        </p:spPr>
+        <p:style>
+          <a:lnRef idx="2">
+            <a:schemeClr val="accent4"/>
+          </a:lnRef>
+          <a:fillRef idx="1">
+            <a:schemeClr val="lt1"/>
+          </a:fillRef>
+          <a:effectRef idx="0">
+            <a:schemeClr val="accent4"/>
+          </a:effectRef>
+          <a:fontRef idx="minor">
+            <a:schemeClr val="dk1"/>
+          </a:fontRef>
+        </p:style>
+      </p:cxnSp>
+    </p:spTree>
+    <p:extLst>
+      <p:ext uri="{BB962C8B-B14F-4D97-AF65-F5344CB8AC3E}">
+        <p14:creationId xmlns:p14="http://schemas.microsoft.com/office/powerpoint/2010/main" val="257391647"/>
+      </p:ext>
+    </p:extLst>
+  </p:cSld>
+  <p:clrMapOvr>
+    <a:masterClrMapping/>
+  </p:clrMapOvr>
+  <p:timing>
+    <p:tnLst>
+      <p:par>
+        <p:cTn id="1" dur="indefinite" restart="never" nodeType="tmRoot"/>
+      </p:par>
+    </p:tnLst>
+  </p:timing>
+</p:sld>
+</file>
+
+<file path=ppt/slides/slide3.xml><?xml version="1.0" encoding="utf-8"?>
+<p:sld xmlns:a="http://schemas.openxmlformats.org/drawingml/2006/main" xmlns:r="http://schemas.openxmlformats.org/officeDocument/2006/relationships" xmlns:p="http://schemas.openxmlformats.org/presentationml/2006/main">
+  <p:cSld>
+    <p:spTree>
+      <p:nvGrpSpPr>
+        <p:cNvPr id="1" name=""/>
+        <p:cNvGrpSpPr/>
+        <p:nvPr/>
+      </p:nvGrpSpPr>
+      <p:grpSpPr>
+        <a:xfrm>
+          <a:off x="0" y="0"/>
+          <a:ext cx="0" cy="0"/>
+          <a:chOff x="0" y="0"/>
+          <a:chExt cx="0" cy="0"/>
+        </a:xfrm>
+      </p:grpSpPr>
+      <p:sp>
+        <p:nvSpPr>
+          <p:cNvPr id="17" name="标题 16"/>
+          <p:cNvSpPr>
+            <a:spLocks noGrp="1"/>
+          </p:cNvSpPr>
+          <p:nvPr>
+            <p:ph type="ctrTitle"/>
+          </p:nvPr>
+        </p:nvSpPr>
+        <p:spPr>
+          <a:xfrm>
+            <a:off x="2362944" y="183075"/>
+            <a:ext cx="4714292" cy="632298"/>
+          </a:xfrm>
+        </p:spPr>
+        <p:txBody>
+          <a:bodyPr>
             <a:normAutofit/>
           </a:bodyPr>
           <a:lstStyle/>
@@ -6447,7 +7485,7 @@
 </p:sld>
 </file>
 
-<file path=ppt/slides/slide3.xml><?xml version="1.0" encoding="utf-8"?>
+<file path=ppt/slides/slide4.xml><?xml version="1.0" encoding="utf-8"?>
 <p:sld xmlns:a="http://schemas.openxmlformats.org/drawingml/2006/main" xmlns:r="http://schemas.openxmlformats.org/officeDocument/2006/relationships" xmlns:p="http://schemas.openxmlformats.org/presentationml/2006/main">
   <p:cSld>
     <p:spTree>
@@ -7311,15 +8349,7 @@
                     <a:schemeClr val="tx2"/>
                   </a:solidFill>
                 </a:rPr>
-                <a:t>Map </a:t>
-              </a:r>
-              <a:r>
-                <a:rPr lang="en-US" altLang="zh-CN" sz="1400" smtClean="0">
-                  <a:solidFill>
-                    <a:schemeClr val="tx2"/>
-                  </a:solidFill>
-                </a:rPr>
-                <a:t>containers</a:t>
+                <a:t>Map containers</a:t>
               </a:r>
               <a:endParaRPr lang="zh-CN" altLang="en-US" sz="1400">
                 <a:solidFill>
@@ -7771,7 +8801,7 @@
 </p:sld>
 </file>
 
-<file path=ppt/slides/slide4.xml><?xml version="1.0" encoding="utf-8"?>
+<file path=ppt/slides/slide5.xml><?xml version="1.0" encoding="utf-8"?>
 <p:sld xmlns:a="http://schemas.openxmlformats.org/drawingml/2006/main" xmlns:r="http://schemas.openxmlformats.org/officeDocument/2006/relationships" xmlns:p="http://schemas.openxmlformats.org/presentationml/2006/main">
   <p:cSld>
     <p:spTree>
